--- a/Diagrams.pptx
+++ b/Diagrams.pptx
@@ -7,6 +7,8 @@
   <p:sldIdLst>
     <p:sldId id="256" r:id="rId2"/>
     <p:sldId id="257" r:id="rId3"/>
+    <p:sldId id="258" r:id="rId4"/>
+    <p:sldId id="259" r:id="rId5"/>
   </p:sldIdLst>
   <p:sldSz cx="12192000" cy="6858000"/>
   <p:notesSz cx="6858000" cy="9144000"/>
@@ -105,6 +107,11 @@
       </a:defRPr>
     </a:lvl9pPr>
   </p:defaultTextStyle>
+  <p:extLst>
+    <p:ext uri="{EFAFB233-063F-42B5-8137-9DF3F51BA10A}">
+      <p15:sldGuideLst xmlns:p15="http://schemas.microsoft.com/office/powerpoint/2012/main"/>
+    </p:ext>
+  </p:extLst>
 </p:presentation>
 </file>
 
@@ -257,7 +264,7 @@
           <a:p>
             <a:fld id="{6388C8F8-CA30-44A7-9AE3-A5A09FE2A678}" type="datetimeFigureOut">
               <a:rPr lang="en-IN" smtClean="0"/>
-              <a:t>22-03-2019</a:t>
+              <a:t>25-03-2019</a:t>
             </a:fld>
             <a:endParaRPr lang="en-IN"/>
           </a:p>
@@ -457,7 +464,7 @@
           <a:p>
             <a:fld id="{6388C8F8-CA30-44A7-9AE3-A5A09FE2A678}" type="datetimeFigureOut">
               <a:rPr lang="en-IN" smtClean="0"/>
-              <a:t>22-03-2019</a:t>
+              <a:t>25-03-2019</a:t>
             </a:fld>
             <a:endParaRPr lang="en-IN"/>
           </a:p>
@@ -667,7 +674,7 @@
           <a:p>
             <a:fld id="{6388C8F8-CA30-44A7-9AE3-A5A09FE2A678}" type="datetimeFigureOut">
               <a:rPr lang="en-IN" smtClean="0"/>
-              <a:t>22-03-2019</a:t>
+              <a:t>25-03-2019</a:t>
             </a:fld>
             <a:endParaRPr lang="en-IN"/>
           </a:p>
@@ -867,7 +874,7 @@
           <a:p>
             <a:fld id="{6388C8F8-CA30-44A7-9AE3-A5A09FE2A678}" type="datetimeFigureOut">
               <a:rPr lang="en-IN" smtClean="0"/>
-              <a:t>22-03-2019</a:t>
+              <a:t>25-03-2019</a:t>
             </a:fld>
             <a:endParaRPr lang="en-IN"/>
           </a:p>
@@ -1143,7 +1150,7 @@
           <a:p>
             <a:fld id="{6388C8F8-CA30-44A7-9AE3-A5A09FE2A678}" type="datetimeFigureOut">
               <a:rPr lang="en-IN" smtClean="0"/>
-              <a:t>22-03-2019</a:t>
+              <a:t>25-03-2019</a:t>
             </a:fld>
             <a:endParaRPr lang="en-IN"/>
           </a:p>
@@ -1411,7 +1418,7 @@
           <a:p>
             <a:fld id="{6388C8F8-CA30-44A7-9AE3-A5A09FE2A678}" type="datetimeFigureOut">
               <a:rPr lang="en-IN" smtClean="0"/>
-              <a:t>22-03-2019</a:t>
+              <a:t>25-03-2019</a:t>
             </a:fld>
             <a:endParaRPr lang="en-IN"/>
           </a:p>
@@ -1826,7 +1833,7 @@
           <a:p>
             <a:fld id="{6388C8F8-CA30-44A7-9AE3-A5A09FE2A678}" type="datetimeFigureOut">
               <a:rPr lang="en-IN" smtClean="0"/>
-              <a:t>22-03-2019</a:t>
+              <a:t>25-03-2019</a:t>
             </a:fld>
             <a:endParaRPr lang="en-IN"/>
           </a:p>
@@ -1968,7 +1975,7 @@
           <a:p>
             <a:fld id="{6388C8F8-CA30-44A7-9AE3-A5A09FE2A678}" type="datetimeFigureOut">
               <a:rPr lang="en-IN" smtClean="0"/>
-              <a:t>22-03-2019</a:t>
+              <a:t>25-03-2019</a:t>
             </a:fld>
             <a:endParaRPr lang="en-IN"/>
           </a:p>
@@ -2081,7 +2088,7 @@
           <a:p>
             <a:fld id="{6388C8F8-CA30-44A7-9AE3-A5A09FE2A678}" type="datetimeFigureOut">
               <a:rPr lang="en-IN" smtClean="0"/>
-              <a:t>22-03-2019</a:t>
+              <a:t>25-03-2019</a:t>
             </a:fld>
             <a:endParaRPr lang="en-IN"/>
           </a:p>
@@ -2394,7 +2401,7 @@
           <a:p>
             <a:fld id="{6388C8F8-CA30-44A7-9AE3-A5A09FE2A678}" type="datetimeFigureOut">
               <a:rPr lang="en-IN" smtClean="0"/>
-              <a:t>22-03-2019</a:t>
+              <a:t>25-03-2019</a:t>
             </a:fld>
             <a:endParaRPr lang="en-IN"/>
           </a:p>
@@ -2683,7 +2690,7 @@
           <a:p>
             <a:fld id="{6388C8F8-CA30-44A7-9AE3-A5A09FE2A678}" type="datetimeFigureOut">
               <a:rPr lang="en-IN" smtClean="0"/>
-              <a:t>22-03-2019</a:t>
+              <a:t>25-03-2019</a:t>
             </a:fld>
             <a:endParaRPr lang="en-IN"/>
           </a:p>
@@ -2926,7 +2933,7 @@
           <a:p>
             <a:fld id="{6388C8F8-CA30-44A7-9AE3-A5A09FE2A678}" type="datetimeFigureOut">
               <a:rPr lang="en-IN" smtClean="0"/>
-              <a:t>22-03-2019</a:t>
+              <a:t>25-03-2019</a:t>
             </a:fld>
             <a:endParaRPr lang="en-IN"/>
           </a:p>
@@ -3538,7 +3545,11 @@
             <a:p>
               <a:pPr algn="ctr"/>
               <a:r>
-                <a:rPr lang="en-IN" dirty="0"/>
+                <a:rPr lang="en-IN" dirty="0">
+                  <a:solidFill>
+                    <a:schemeClr val="tx1"/>
+                  </a:solidFill>
+                </a:rPr>
                 <a:t>B’</a:t>
               </a:r>
             </a:p>
@@ -3590,7 +3601,11 @@
             <a:p>
               <a:pPr algn="ctr"/>
               <a:r>
-                <a:rPr lang="en-IN" dirty="0"/>
+                <a:rPr lang="en-IN" dirty="0">
+                  <a:solidFill>
+                    <a:schemeClr val="tx1"/>
+                  </a:solidFill>
+                </a:rPr>
                 <a:t>A’</a:t>
               </a:r>
             </a:p>
@@ -3639,7 +3654,11 @@
             <a:p>
               <a:pPr algn="ctr"/>
               <a:r>
-                <a:rPr lang="en-IN" dirty="0"/>
+                <a:rPr lang="en-IN" dirty="0">
+                  <a:solidFill>
+                    <a:schemeClr val="tx1"/>
+                  </a:solidFill>
+                </a:rPr>
                 <a:t>Actual  Page</a:t>
               </a:r>
             </a:p>
@@ -3925,7 +3944,11 @@
             <a:p>
               <a:pPr algn="ctr"/>
               <a:r>
-                <a:rPr lang="en-IN" dirty="0"/>
+                <a:rPr lang="en-IN" dirty="0">
+                  <a:solidFill>
+                    <a:schemeClr val="tx1"/>
+                  </a:solidFill>
+                </a:rPr>
                 <a:t>D’</a:t>
               </a:r>
             </a:p>
@@ -3977,7 +4000,11 @@
             <a:p>
               <a:pPr algn="ctr"/>
               <a:r>
-                <a:rPr lang="en-IN" dirty="0"/>
+                <a:rPr lang="en-IN" dirty="0">
+                  <a:solidFill>
+                    <a:schemeClr val="tx1"/>
+                  </a:solidFill>
+                </a:rPr>
                 <a:t>E’</a:t>
               </a:r>
             </a:p>
@@ -4029,7 +4056,11 @@
             <a:p>
               <a:pPr algn="ctr"/>
               <a:r>
-                <a:rPr lang="en-IN" dirty="0"/>
+                <a:rPr lang="en-IN" dirty="0">
+                  <a:solidFill>
+                    <a:schemeClr val="tx1"/>
+                  </a:solidFill>
+                </a:rPr>
                 <a:t>C’</a:t>
               </a:r>
             </a:p>
@@ -6530,6 +6561,3526 @@
     <p:extLst>
       <p:ext uri="{BB962C8B-B14F-4D97-AF65-F5344CB8AC3E}">
         <p14:creationId xmlns:p14="http://schemas.microsoft.com/office/powerpoint/2010/main" val="921835155"/>
+      </p:ext>
+    </p:extLst>
+  </p:cSld>
+  <p:clrMapOvr>
+    <a:masterClrMapping/>
+  </p:clrMapOvr>
+</p:sld>
+</file>
+
+<file path=ppt/slides/slide3.xml><?xml version="1.0" encoding="utf-8"?>
+<p:sld xmlns:a="http://schemas.openxmlformats.org/drawingml/2006/main" xmlns:r="http://schemas.openxmlformats.org/officeDocument/2006/relationships" xmlns:p="http://schemas.openxmlformats.org/presentationml/2006/main">
+  <p:cSld>
+    <p:spTree>
+      <p:nvGrpSpPr>
+        <p:cNvPr id="1" name=""/>
+        <p:cNvGrpSpPr/>
+        <p:nvPr/>
+      </p:nvGrpSpPr>
+      <p:grpSpPr>
+        <a:xfrm>
+          <a:off x="0" y="0"/>
+          <a:ext cx="0" cy="0"/>
+          <a:chOff x="0" y="0"/>
+          <a:chExt cx="0" cy="0"/>
+        </a:xfrm>
+      </p:grpSpPr>
+      <p:grpSp>
+        <p:nvGrpSpPr>
+          <p:cNvPr id="117" name="Group 116">
+            <a:extLst>
+              <a:ext uri="{FF2B5EF4-FFF2-40B4-BE49-F238E27FC236}">
+                <a16:creationId xmlns:a16="http://schemas.microsoft.com/office/drawing/2014/main" id="{D0366212-FA60-4196-8626-52AC023699AC}"/>
+              </a:ext>
+            </a:extLst>
+          </p:cNvPr>
+          <p:cNvGrpSpPr/>
+          <p:nvPr/>
+        </p:nvGrpSpPr>
+        <p:grpSpPr>
+          <a:xfrm>
+            <a:off x="435020" y="730599"/>
+            <a:ext cx="11434391" cy="5667134"/>
+            <a:chOff x="435020" y="730599"/>
+            <a:chExt cx="11434391" cy="5667134"/>
+          </a:xfrm>
+        </p:grpSpPr>
+        <p:sp>
+          <p:nvSpPr>
+            <p:cNvPr id="4" name="TextBox 3">
+              <a:extLst>
+                <a:ext uri="{FF2B5EF4-FFF2-40B4-BE49-F238E27FC236}">
+                  <a16:creationId xmlns:a16="http://schemas.microsoft.com/office/drawing/2014/main" id="{24901E4E-E9B6-4FDB-A70B-53CA9C710118}"/>
+                </a:ext>
+              </a:extLst>
+            </p:cNvPr>
+            <p:cNvSpPr txBox="1"/>
+            <p:nvPr/>
+          </p:nvSpPr>
+          <p:spPr>
+            <a:xfrm>
+              <a:off x="745716" y="745725"/>
+              <a:ext cx="1535837" cy="369332"/>
+            </a:xfrm>
+            <a:prstGeom prst="rect">
+              <a:avLst/>
+            </a:prstGeom>
+            <a:solidFill>
+              <a:srgbClr val="FFFF00"/>
+            </a:solidFill>
+            <a:ln w="38100">
+              <a:solidFill>
+                <a:srgbClr val="00B0F0"/>
+              </a:solidFill>
+            </a:ln>
+          </p:spPr>
+          <p:txBody>
+            <a:bodyPr wrap="square" rtlCol="0">
+              <a:spAutoFit/>
+            </a:bodyPr>
+            <a:lstStyle/>
+            <a:p>
+              <a:pPr algn="ctr"/>
+              <a:r>
+                <a:rPr lang="en-IN" dirty="0"/>
+                <a:t>Packet Send</a:t>
+              </a:r>
+            </a:p>
+          </p:txBody>
+        </p:sp>
+        <p:sp>
+          <p:nvSpPr>
+            <p:cNvPr id="6" name="TextBox 5">
+              <a:extLst>
+                <a:ext uri="{FF2B5EF4-FFF2-40B4-BE49-F238E27FC236}">
+                  <a16:creationId xmlns:a16="http://schemas.microsoft.com/office/drawing/2014/main" id="{C8F93055-75E0-4D04-BC0A-2E2C6F756EEE}"/>
+                </a:ext>
+              </a:extLst>
+            </p:cNvPr>
+            <p:cNvSpPr txBox="1"/>
+            <p:nvPr/>
+          </p:nvSpPr>
+          <p:spPr>
+            <a:xfrm>
+              <a:off x="745720" y="1658075"/>
+              <a:ext cx="1535837" cy="369332"/>
+            </a:xfrm>
+            <a:prstGeom prst="rect">
+              <a:avLst/>
+            </a:prstGeom>
+            <a:noFill/>
+            <a:ln w="38100">
+              <a:solidFill>
+                <a:srgbClr val="00B0F0"/>
+              </a:solidFill>
+            </a:ln>
+          </p:spPr>
+          <p:txBody>
+            <a:bodyPr wrap="square" rtlCol="0">
+              <a:spAutoFit/>
+            </a:bodyPr>
+            <a:lstStyle/>
+            <a:p>
+              <a:pPr algn="ctr"/>
+              <a:r>
+                <a:rPr lang="en-IN" dirty="0"/>
+                <a:t>Guest OS</a:t>
+              </a:r>
+            </a:p>
+          </p:txBody>
+        </p:sp>
+        <p:sp>
+          <p:nvSpPr>
+            <p:cNvPr id="7" name="TextBox 6">
+              <a:extLst>
+                <a:ext uri="{FF2B5EF4-FFF2-40B4-BE49-F238E27FC236}">
+                  <a16:creationId xmlns:a16="http://schemas.microsoft.com/office/drawing/2014/main" id="{3BA9DFE8-0B2D-4C69-94F1-CF351E3E1370}"/>
+                </a:ext>
+              </a:extLst>
+            </p:cNvPr>
+            <p:cNvSpPr txBox="1"/>
+            <p:nvPr/>
+          </p:nvSpPr>
+          <p:spPr>
+            <a:xfrm>
+              <a:off x="745720" y="2201093"/>
+              <a:ext cx="1535837" cy="369332"/>
+            </a:xfrm>
+            <a:prstGeom prst="rect">
+              <a:avLst/>
+            </a:prstGeom>
+            <a:noFill/>
+            <a:ln w="38100">
+              <a:solidFill>
+                <a:srgbClr val="00B0F0"/>
+              </a:solidFill>
+            </a:ln>
+          </p:spPr>
+          <p:txBody>
+            <a:bodyPr wrap="square" rtlCol="0">
+              <a:spAutoFit/>
+            </a:bodyPr>
+            <a:lstStyle/>
+            <a:p>
+              <a:pPr algn="ctr"/>
+              <a:r>
+                <a:rPr lang="en-IN" dirty="0"/>
+                <a:t>VMM</a:t>
+              </a:r>
+            </a:p>
+          </p:txBody>
+        </p:sp>
+        <p:sp>
+          <p:nvSpPr>
+            <p:cNvPr id="8" name="TextBox 7">
+              <a:extLst>
+                <a:ext uri="{FF2B5EF4-FFF2-40B4-BE49-F238E27FC236}">
+                  <a16:creationId xmlns:a16="http://schemas.microsoft.com/office/drawing/2014/main" id="{EC8EBF38-187B-462F-BB6B-03F78DC7411C}"/>
+                </a:ext>
+              </a:extLst>
+            </p:cNvPr>
+            <p:cNvSpPr txBox="1"/>
+            <p:nvPr/>
+          </p:nvSpPr>
+          <p:spPr>
+            <a:xfrm>
+              <a:off x="745719" y="2744111"/>
+              <a:ext cx="1535837" cy="369332"/>
+            </a:xfrm>
+            <a:prstGeom prst="rect">
+              <a:avLst/>
+            </a:prstGeom>
+            <a:noFill/>
+            <a:ln w="38100">
+              <a:solidFill>
+                <a:srgbClr val="00B0F0"/>
+              </a:solidFill>
+            </a:ln>
+          </p:spPr>
+          <p:txBody>
+            <a:bodyPr wrap="square" rtlCol="0">
+              <a:spAutoFit/>
+            </a:bodyPr>
+            <a:lstStyle/>
+            <a:p>
+              <a:pPr algn="ctr"/>
+              <a:r>
+                <a:rPr lang="en-IN" dirty="0"/>
+                <a:t>VMDriver</a:t>
+              </a:r>
+            </a:p>
+          </p:txBody>
+        </p:sp>
+        <p:sp>
+          <p:nvSpPr>
+            <p:cNvPr id="9" name="TextBox 8">
+              <a:extLst>
+                <a:ext uri="{FF2B5EF4-FFF2-40B4-BE49-F238E27FC236}">
+                  <a16:creationId xmlns:a16="http://schemas.microsoft.com/office/drawing/2014/main" id="{147D0E01-F0C5-4F59-8974-5AE41B7DB8FE}"/>
+                </a:ext>
+              </a:extLst>
+            </p:cNvPr>
+            <p:cNvSpPr txBox="1"/>
+            <p:nvPr/>
+          </p:nvSpPr>
+          <p:spPr>
+            <a:xfrm>
+              <a:off x="745720" y="3301935"/>
+              <a:ext cx="1535837" cy="369332"/>
+            </a:xfrm>
+            <a:prstGeom prst="rect">
+              <a:avLst/>
+            </a:prstGeom>
+            <a:noFill/>
+            <a:ln w="38100">
+              <a:solidFill>
+                <a:srgbClr val="00B0F0"/>
+              </a:solidFill>
+            </a:ln>
+          </p:spPr>
+          <p:txBody>
+            <a:bodyPr wrap="square" rtlCol="0">
+              <a:spAutoFit/>
+            </a:bodyPr>
+            <a:lstStyle/>
+            <a:p>
+              <a:pPr algn="ctr"/>
+              <a:r>
+                <a:rPr lang="en-IN" dirty="0"/>
+                <a:t>VMApp</a:t>
+              </a:r>
+            </a:p>
+          </p:txBody>
+        </p:sp>
+        <p:sp>
+          <p:nvSpPr>
+            <p:cNvPr id="10" name="TextBox 9">
+              <a:extLst>
+                <a:ext uri="{FF2B5EF4-FFF2-40B4-BE49-F238E27FC236}">
+                  <a16:creationId xmlns:a16="http://schemas.microsoft.com/office/drawing/2014/main" id="{02C5FE54-AED0-4174-8087-F4451E14F0FE}"/>
+                </a:ext>
+              </a:extLst>
+            </p:cNvPr>
+            <p:cNvSpPr txBox="1"/>
+            <p:nvPr/>
+          </p:nvSpPr>
+          <p:spPr>
+            <a:xfrm>
+              <a:off x="745718" y="3840527"/>
+              <a:ext cx="1535837" cy="369332"/>
+            </a:xfrm>
+            <a:prstGeom prst="rect">
+              <a:avLst/>
+            </a:prstGeom>
+            <a:noFill/>
+            <a:ln w="38100">
+              <a:solidFill>
+                <a:srgbClr val="00B0F0"/>
+              </a:solidFill>
+            </a:ln>
+          </p:spPr>
+          <p:txBody>
+            <a:bodyPr wrap="square" rtlCol="0">
+              <a:spAutoFit/>
+            </a:bodyPr>
+            <a:lstStyle/>
+            <a:p>
+              <a:pPr algn="ctr"/>
+              <a:r>
+                <a:rPr lang="en-IN" dirty="0"/>
+                <a:t>VMNet Driver</a:t>
+              </a:r>
+            </a:p>
+          </p:txBody>
+        </p:sp>
+        <p:sp>
+          <p:nvSpPr>
+            <p:cNvPr id="11" name="TextBox 10">
+              <a:extLst>
+                <a:ext uri="{FF2B5EF4-FFF2-40B4-BE49-F238E27FC236}">
+                  <a16:creationId xmlns:a16="http://schemas.microsoft.com/office/drawing/2014/main" id="{3AC7A66A-D935-4487-AFD0-E58D17F4922A}"/>
+                </a:ext>
+              </a:extLst>
+            </p:cNvPr>
+            <p:cNvSpPr txBox="1"/>
+            <p:nvPr/>
+          </p:nvSpPr>
+          <p:spPr>
+            <a:xfrm>
+              <a:off x="745717" y="4442743"/>
+              <a:ext cx="1535837" cy="646331"/>
+            </a:xfrm>
+            <a:prstGeom prst="rect">
+              <a:avLst/>
+            </a:prstGeom>
+            <a:noFill/>
+            <a:ln w="38100">
+              <a:solidFill>
+                <a:srgbClr val="00B0F0"/>
+              </a:solidFill>
+            </a:ln>
+          </p:spPr>
+          <p:txBody>
+            <a:bodyPr wrap="square" rtlCol="0">
+              <a:spAutoFit/>
+            </a:bodyPr>
+            <a:lstStyle/>
+            <a:p>
+              <a:pPr algn="ctr"/>
+              <a:r>
+                <a:rPr lang="en-IN" dirty="0"/>
+                <a:t>Host Ethernet Driver</a:t>
+              </a:r>
+            </a:p>
+          </p:txBody>
+        </p:sp>
+        <p:sp>
+          <p:nvSpPr>
+            <p:cNvPr id="12" name="TextBox 11">
+              <a:extLst>
+                <a:ext uri="{FF2B5EF4-FFF2-40B4-BE49-F238E27FC236}">
+                  <a16:creationId xmlns:a16="http://schemas.microsoft.com/office/drawing/2014/main" id="{A715A58B-DCC2-4A05-B0DD-A1F3CD725A97}"/>
+                </a:ext>
+              </a:extLst>
+            </p:cNvPr>
+            <p:cNvSpPr txBox="1"/>
+            <p:nvPr/>
+          </p:nvSpPr>
+          <p:spPr>
+            <a:xfrm>
+              <a:off x="745716" y="5280592"/>
+              <a:ext cx="1535837" cy="369332"/>
+            </a:xfrm>
+            <a:prstGeom prst="rect">
+              <a:avLst/>
+            </a:prstGeom>
+            <a:noFill/>
+            <a:ln w="38100">
+              <a:solidFill>
+                <a:srgbClr val="00B0F0"/>
+              </a:solidFill>
+            </a:ln>
+          </p:spPr>
+          <p:txBody>
+            <a:bodyPr wrap="square" rtlCol="0">
+              <a:spAutoFit/>
+            </a:bodyPr>
+            <a:lstStyle/>
+            <a:p>
+              <a:pPr algn="ctr"/>
+              <a:r>
+                <a:rPr lang="en-IN" dirty="0"/>
+                <a:t>Ethernet H/W</a:t>
+              </a:r>
+            </a:p>
+          </p:txBody>
+        </p:sp>
+        <p:cxnSp>
+          <p:nvCxnSpPr>
+            <p:cNvPr id="14" name="Straight Arrow Connector 13">
+              <a:extLst>
+                <a:ext uri="{FF2B5EF4-FFF2-40B4-BE49-F238E27FC236}">
+                  <a16:creationId xmlns:a16="http://schemas.microsoft.com/office/drawing/2014/main" id="{66803BD4-23F9-42EC-9608-CB33BF534619}"/>
+                </a:ext>
+              </a:extLst>
+            </p:cNvPr>
+            <p:cNvCxnSpPr>
+              <a:stCxn id="6" idx="2"/>
+              <a:endCxn id="7" idx="0"/>
+            </p:cNvCxnSpPr>
+            <p:nvPr/>
+          </p:nvCxnSpPr>
+          <p:spPr>
+            <a:xfrm>
+              <a:off x="1513639" y="2027407"/>
+              <a:ext cx="0" cy="173686"/>
+            </a:xfrm>
+            <a:prstGeom prst="straightConnector1">
+              <a:avLst/>
+            </a:prstGeom>
+            <a:ln>
+              <a:solidFill>
+                <a:srgbClr val="FF0000"/>
+              </a:solidFill>
+              <a:tailEnd type="triangle"/>
+            </a:ln>
+          </p:spPr>
+          <p:style>
+            <a:lnRef idx="1">
+              <a:schemeClr val="accent1"/>
+            </a:lnRef>
+            <a:fillRef idx="0">
+              <a:schemeClr val="accent1"/>
+            </a:fillRef>
+            <a:effectRef idx="0">
+              <a:schemeClr val="accent1"/>
+            </a:effectRef>
+            <a:fontRef idx="minor">
+              <a:schemeClr val="tx1"/>
+            </a:fontRef>
+          </p:style>
+        </p:cxnSp>
+        <p:cxnSp>
+          <p:nvCxnSpPr>
+            <p:cNvPr id="15" name="Straight Arrow Connector 14">
+              <a:extLst>
+                <a:ext uri="{FF2B5EF4-FFF2-40B4-BE49-F238E27FC236}">
+                  <a16:creationId xmlns:a16="http://schemas.microsoft.com/office/drawing/2014/main" id="{843C1EA9-0AE9-4038-9084-F98F689B9E94}"/>
+                </a:ext>
+              </a:extLst>
+            </p:cNvPr>
+            <p:cNvCxnSpPr>
+              <a:cxnSpLocks/>
+              <a:stCxn id="7" idx="2"/>
+              <a:endCxn id="8" idx="0"/>
+            </p:cNvCxnSpPr>
+            <p:nvPr/>
+          </p:nvCxnSpPr>
+          <p:spPr>
+            <a:xfrm flipH="1">
+              <a:off x="1513638" y="2570425"/>
+              <a:ext cx="1" cy="173686"/>
+            </a:xfrm>
+            <a:prstGeom prst="straightConnector1">
+              <a:avLst/>
+            </a:prstGeom>
+            <a:ln>
+              <a:solidFill>
+                <a:srgbClr val="FF0000"/>
+              </a:solidFill>
+              <a:tailEnd type="triangle"/>
+            </a:ln>
+          </p:spPr>
+          <p:style>
+            <a:lnRef idx="1">
+              <a:schemeClr val="accent1"/>
+            </a:lnRef>
+            <a:fillRef idx="0">
+              <a:schemeClr val="accent1"/>
+            </a:fillRef>
+            <a:effectRef idx="0">
+              <a:schemeClr val="accent1"/>
+            </a:effectRef>
+            <a:fontRef idx="minor">
+              <a:schemeClr val="tx1"/>
+            </a:fontRef>
+          </p:style>
+        </p:cxnSp>
+        <p:cxnSp>
+          <p:nvCxnSpPr>
+            <p:cNvPr id="16" name="Straight Arrow Connector 15">
+              <a:extLst>
+                <a:ext uri="{FF2B5EF4-FFF2-40B4-BE49-F238E27FC236}">
+                  <a16:creationId xmlns:a16="http://schemas.microsoft.com/office/drawing/2014/main" id="{980B9367-E076-49B0-831A-8207D1F0FD57}"/>
+                </a:ext>
+              </a:extLst>
+            </p:cNvPr>
+            <p:cNvCxnSpPr>
+              <a:cxnSpLocks/>
+              <a:stCxn id="8" idx="2"/>
+              <a:endCxn id="9" idx="0"/>
+            </p:cNvCxnSpPr>
+            <p:nvPr/>
+          </p:nvCxnSpPr>
+          <p:spPr>
+            <a:xfrm>
+              <a:off x="1513638" y="3113443"/>
+              <a:ext cx="1" cy="188492"/>
+            </a:xfrm>
+            <a:prstGeom prst="straightConnector1">
+              <a:avLst/>
+            </a:prstGeom>
+            <a:ln>
+              <a:solidFill>
+                <a:srgbClr val="FF0000"/>
+              </a:solidFill>
+              <a:tailEnd type="triangle"/>
+            </a:ln>
+          </p:spPr>
+          <p:style>
+            <a:lnRef idx="1">
+              <a:schemeClr val="accent1"/>
+            </a:lnRef>
+            <a:fillRef idx="0">
+              <a:schemeClr val="accent1"/>
+            </a:fillRef>
+            <a:effectRef idx="0">
+              <a:schemeClr val="accent1"/>
+            </a:effectRef>
+            <a:fontRef idx="minor">
+              <a:schemeClr val="tx1"/>
+            </a:fontRef>
+          </p:style>
+        </p:cxnSp>
+        <p:cxnSp>
+          <p:nvCxnSpPr>
+            <p:cNvPr id="17" name="Straight Arrow Connector 16">
+              <a:extLst>
+                <a:ext uri="{FF2B5EF4-FFF2-40B4-BE49-F238E27FC236}">
+                  <a16:creationId xmlns:a16="http://schemas.microsoft.com/office/drawing/2014/main" id="{C4F0126E-32AA-4A0F-A083-AC4241162FAF}"/>
+                </a:ext>
+              </a:extLst>
+            </p:cNvPr>
+            <p:cNvCxnSpPr>
+              <a:cxnSpLocks/>
+              <a:stCxn id="9" idx="2"/>
+              <a:endCxn id="10" idx="0"/>
+            </p:cNvCxnSpPr>
+            <p:nvPr/>
+          </p:nvCxnSpPr>
+          <p:spPr>
+            <a:xfrm flipH="1">
+              <a:off x="1513637" y="3671267"/>
+              <a:ext cx="2" cy="169260"/>
+            </a:xfrm>
+            <a:prstGeom prst="straightConnector1">
+              <a:avLst/>
+            </a:prstGeom>
+            <a:ln>
+              <a:solidFill>
+                <a:srgbClr val="FF0000"/>
+              </a:solidFill>
+              <a:tailEnd type="triangle"/>
+            </a:ln>
+          </p:spPr>
+          <p:style>
+            <a:lnRef idx="1">
+              <a:schemeClr val="accent1"/>
+            </a:lnRef>
+            <a:fillRef idx="0">
+              <a:schemeClr val="accent1"/>
+            </a:fillRef>
+            <a:effectRef idx="0">
+              <a:schemeClr val="accent1"/>
+            </a:effectRef>
+            <a:fontRef idx="minor">
+              <a:schemeClr val="tx1"/>
+            </a:fontRef>
+          </p:style>
+        </p:cxnSp>
+        <p:cxnSp>
+          <p:nvCxnSpPr>
+            <p:cNvPr id="18" name="Straight Arrow Connector 17">
+              <a:extLst>
+                <a:ext uri="{FF2B5EF4-FFF2-40B4-BE49-F238E27FC236}">
+                  <a16:creationId xmlns:a16="http://schemas.microsoft.com/office/drawing/2014/main" id="{96DE1BCB-343C-4991-8A0D-9813D6A67E61}"/>
+                </a:ext>
+              </a:extLst>
+            </p:cNvPr>
+            <p:cNvCxnSpPr>
+              <a:cxnSpLocks/>
+              <a:stCxn id="10" idx="2"/>
+              <a:endCxn id="11" idx="0"/>
+            </p:cNvCxnSpPr>
+            <p:nvPr/>
+          </p:nvCxnSpPr>
+          <p:spPr>
+            <a:xfrm flipH="1">
+              <a:off x="1513636" y="4209859"/>
+              <a:ext cx="1" cy="232884"/>
+            </a:xfrm>
+            <a:prstGeom prst="straightConnector1">
+              <a:avLst/>
+            </a:prstGeom>
+            <a:ln>
+              <a:solidFill>
+                <a:srgbClr val="FF0000"/>
+              </a:solidFill>
+              <a:tailEnd type="triangle"/>
+            </a:ln>
+          </p:spPr>
+          <p:style>
+            <a:lnRef idx="1">
+              <a:schemeClr val="accent1"/>
+            </a:lnRef>
+            <a:fillRef idx="0">
+              <a:schemeClr val="accent1"/>
+            </a:fillRef>
+            <a:effectRef idx="0">
+              <a:schemeClr val="accent1"/>
+            </a:effectRef>
+            <a:fontRef idx="minor">
+              <a:schemeClr val="tx1"/>
+            </a:fontRef>
+          </p:style>
+        </p:cxnSp>
+        <p:cxnSp>
+          <p:nvCxnSpPr>
+            <p:cNvPr id="27" name="Straight Arrow Connector 26">
+              <a:extLst>
+                <a:ext uri="{FF2B5EF4-FFF2-40B4-BE49-F238E27FC236}">
+                  <a16:creationId xmlns:a16="http://schemas.microsoft.com/office/drawing/2014/main" id="{AF20DF36-C4DC-487C-AB4B-F9C9A5C93C72}"/>
+                </a:ext>
+              </a:extLst>
+            </p:cNvPr>
+            <p:cNvCxnSpPr>
+              <a:cxnSpLocks/>
+              <a:stCxn id="11" idx="2"/>
+              <a:endCxn id="12" idx="0"/>
+            </p:cNvCxnSpPr>
+            <p:nvPr/>
+          </p:nvCxnSpPr>
+          <p:spPr>
+            <a:xfrm flipH="1">
+              <a:off x="1513635" y="5089074"/>
+              <a:ext cx="1" cy="191518"/>
+            </a:xfrm>
+            <a:prstGeom prst="straightConnector1">
+              <a:avLst/>
+            </a:prstGeom>
+            <a:ln>
+              <a:solidFill>
+                <a:srgbClr val="FF0000"/>
+              </a:solidFill>
+              <a:tailEnd type="triangle"/>
+            </a:ln>
+          </p:spPr>
+          <p:style>
+            <a:lnRef idx="1">
+              <a:schemeClr val="accent1"/>
+            </a:lnRef>
+            <a:fillRef idx="0">
+              <a:schemeClr val="accent1"/>
+            </a:fillRef>
+            <a:effectRef idx="0">
+              <a:schemeClr val="accent1"/>
+            </a:effectRef>
+            <a:fontRef idx="minor">
+              <a:schemeClr val="tx1"/>
+            </a:fontRef>
+          </p:style>
+        </p:cxnSp>
+        <p:sp>
+          <p:nvSpPr>
+            <p:cNvPr id="30" name="TextBox 29">
+              <a:extLst>
+                <a:ext uri="{FF2B5EF4-FFF2-40B4-BE49-F238E27FC236}">
+                  <a16:creationId xmlns:a16="http://schemas.microsoft.com/office/drawing/2014/main" id="{61A5C857-393D-466B-9B61-1110A2044EF8}"/>
+                </a:ext>
+              </a:extLst>
+            </p:cNvPr>
+            <p:cNvSpPr txBox="1"/>
+            <p:nvPr/>
+          </p:nvSpPr>
+          <p:spPr>
+            <a:xfrm>
+              <a:off x="2481309" y="1984526"/>
+              <a:ext cx="1349763" cy="307777"/>
+            </a:xfrm>
+            <a:prstGeom prst="rect">
+              <a:avLst/>
+            </a:prstGeom>
+            <a:noFill/>
+          </p:spPr>
+          <p:txBody>
+            <a:bodyPr wrap="square" rtlCol="0">
+              <a:spAutoFit/>
+            </a:bodyPr>
+            <a:lstStyle/>
+            <a:p>
+              <a:r>
+                <a:rPr lang="en-IN" sz="1400" dirty="0"/>
+                <a:t>OUT to I/O Port</a:t>
+              </a:r>
+            </a:p>
+          </p:txBody>
+        </p:sp>
+        <p:sp>
+          <p:nvSpPr>
+            <p:cNvPr id="31" name="TextBox 30">
+              <a:extLst>
+                <a:ext uri="{FF2B5EF4-FFF2-40B4-BE49-F238E27FC236}">
+                  <a16:creationId xmlns:a16="http://schemas.microsoft.com/office/drawing/2014/main" id="{6F989F9E-CDC0-4EBE-8626-F3B6B5C888F7}"/>
+                </a:ext>
+              </a:extLst>
+            </p:cNvPr>
+            <p:cNvSpPr txBox="1"/>
+            <p:nvPr/>
+          </p:nvSpPr>
+          <p:spPr>
+            <a:xfrm>
+              <a:off x="2472422" y="3019977"/>
+              <a:ext cx="1211103" cy="523220"/>
+            </a:xfrm>
+            <a:prstGeom prst="rect">
+              <a:avLst/>
+            </a:prstGeom>
+            <a:noFill/>
+          </p:spPr>
+          <p:txBody>
+            <a:bodyPr wrap="square" rtlCol="0">
+              <a:spAutoFit/>
+            </a:bodyPr>
+            <a:lstStyle/>
+            <a:p>
+              <a:r>
+                <a:rPr lang="en-IN" sz="1400" dirty="0"/>
+                <a:t>Return to VMApp</a:t>
+              </a:r>
+            </a:p>
+          </p:txBody>
+        </p:sp>
+        <p:sp>
+          <p:nvSpPr>
+            <p:cNvPr id="32" name="TextBox 31">
+              <a:extLst>
+                <a:ext uri="{FF2B5EF4-FFF2-40B4-BE49-F238E27FC236}">
+                  <a16:creationId xmlns:a16="http://schemas.microsoft.com/office/drawing/2014/main" id="{F22079AC-E010-45E1-8007-6215F5D3BEE4}"/>
+                </a:ext>
+              </a:extLst>
+            </p:cNvPr>
+            <p:cNvSpPr txBox="1"/>
+            <p:nvPr/>
+          </p:nvSpPr>
+          <p:spPr>
+            <a:xfrm>
+              <a:off x="2481306" y="3625092"/>
+              <a:ext cx="1136332" cy="307777"/>
+            </a:xfrm>
+            <a:prstGeom prst="rect">
+              <a:avLst/>
+            </a:prstGeom>
+            <a:noFill/>
+          </p:spPr>
+          <p:txBody>
+            <a:bodyPr wrap="square" rtlCol="0">
+              <a:spAutoFit/>
+            </a:bodyPr>
+            <a:lstStyle/>
+            <a:p>
+              <a:r>
+                <a:rPr lang="en-IN" sz="1400" dirty="0"/>
+                <a:t>System Call</a:t>
+              </a:r>
+            </a:p>
+          </p:txBody>
+        </p:sp>
+        <p:sp>
+          <p:nvSpPr>
+            <p:cNvPr id="33" name="TextBox 32">
+              <a:extLst>
+                <a:ext uri="{FF2B5EF4-FFF2-40B4-BE49-F238E27FC236}">
+                  <a16:creationId xmlns:a16="http://schemas.microsoft.com/office/drawing/2014/main" id="{F0B4A27D-FE09-4834-A5D9-37904D4C4EE1}"/>
+                </a:ext>
+              </a:extLst>
+            </p:cNvPr>
+            <p:cNvSpPr txBox="1"/>
+            <p:nvPr/>
+          </p:nvSpPr>
+          <p:spPr>
+            <a:xfrm>
+              <a:off x="2481309" y="2482501"/>
+              <a:ext cx="1306837" cy="307777"/>
+            </a:xfrm>
+            <a:prstGeom prst="rect">
+              <a:avLst/>
+            </a:prstGeom>
+            <a:noFill/>
+          </p:spPr>
+          <p:txBody>
+            <a:bodyPr wrap="square" rtlCol="0">
+              <a:spAutoFit/>
+            </a:bodyPr>
+            <a:lstStyle/>
+            <a:p>
+              <a:r>
+                <a:rPr lang="en-IN" sz="1400" dirty="0"/>
+                <a:t>Context Switch</a:t>
+              </a:r>
+            </a:p>
+          </p:txBody>
+        </p:sp>
+        <p:sp>
+          <p:nvSpPr>
+            <p:cNvPr id="34" name="TextBox 33">
+              <a:extLst>
+                <a:ext uri="{FF2B5EF4-FFF2-40B4-BE49-F238E27FC236}">
+                  <a16:creationId xmlns:a16="http://schemas.microsoft.com/office/drawing/2014/main" id="{39FD86F3-E76A-40E9-925F-12473588DA7E}"/>
+                </a:ext>
+              </a:extLst>
+            </p:cNvPr>
+            <p:cNvSpPr txBox="1"/>
+            <p:nvPr/>
+          </p:nvSpPr>
+          <p:spPr>
+            <a:xfrm>
+              <a:off x="2481306" y="4171446"/>
+              <a:ext cx="1136332" cy="307777"/>
+            </a:xfrm>
+            <a:prstGeom prst="rect">
+              <a:avLst/>
+            </a:prstGeom>
+            <a:noFill/>
+          </p:spPr>
+          <p:txBody>
+            <a:bodyPr wrap="square" rtlCol="0">
+              <a:spAutoFit/>
+            </a:bodyPr>
+            <a:lstStyle/>
+            <a:p>
+              <a:r>
+                <a:rPr lang="en-IN" sz="1400" dirty="0"/>
+                <a:t>Bridge Code</a:t>
+              </a:r>
+            </a:p>
+          </p:txBody>
+        </p:sp>
+        <p:sp>
+          <p:nvSpPr>
+            <p:cNvPr id="35" name="Rectangle 34">
+              <a:extLst>
+                <a:ext uri="{FF2B5EF4-FFF2-40B4-BE49-F238E27FC236}">
+                  <a16:creationId xmlns:a16="http://schemas.microsoft.com/office/drawing/2014/main" id="{7079AEEE-3DAF-477B-AA2C-F9C4162DD18D}"/>
+                </a:ext>
+              </a:extLst>
+            </p:cNvPr>
+            <p:cNvSpPr/>
+            <p:nvPr/>
+          </p:nvSpPr>
+          <p:spPr>
+            <a:xfrm>
+              <a:off x="435020" y="2074522"/>
+              <a:ext cx="2072909" cy="2266334"/>
+            </a:xfrm>
+            <a:prstGeom prst="rect">
+              <a:avLst/>
+            </a:prstGeom>
+            <a:noFill/>
+            <a:ln>
+              <a:prstDash val="lgDash"/>
+            </a:ln>
+          </p:spPr>
+          <p:style>
+            <a:lnRef idx="2">
+              <a:schemeClr val="accent1">
+                <a:shade val="50000"/>
+              </a:schemeClr>
+            </a:lnRef>
+            <a:fillRef idx="1">
+              <a:schemeClr val="accent1"/>
+            </a:fillRef>
+            <a:effectRef idx="0">
+              <a:schemeClr val="accent1"/>
+            </a:effectRef>
+            <a:fontRef idx="minor">
+              <a:schemeClr val="lt1"/>
+            </a:fontRef>
+          </p:style>
+          <p:txBody>
+            <a:bodyPr rtlCol="0" anchor="ctr"/>
+            <a:lstStyle/>
+            <a:p>
+              <a:pPr algn="ctr"/>
+              <a:endParaRPr lang="en-IN"/>
+            </a:p>
+          </p:txBody>
+        </p:sp>
+        <p:sp>
+          <p:nvSpPr>
+            <p:cNvPr id="36" name="TextBox 35">
+              <a:extLst>
+                <a:ext uri="{FF2B5EF4-FFF2-40B4-BE49-F238E27FC236}">
+                  <a16:creationId xmlns:a16="http://schemas.microsoft.com/office/drawing/2014/main" id="{2D976622-5BA4-4C6F-AC94-B17E471C7134}"/>
+                </a:ext>
+              </a:extLst>
+            </p:cNvPr>
+            <p:cNvSpPr txBox="1"/>
+            <p:nvPr/>
+          </p:nvSpPr>
+          <p:spPr>
+            <a:xfrm>
+              <a:off x="3898759" y="1640319"/>
+              <a:ext cx="1535837" cy="369332"/>
+            </a:xfrm>
+            <a:prstGeom prst="rect">
+              <a:avLst/>
+            </a:prstGeom>
+            <a:noFill/>
+            <a:ln w="38100">
+              <a:solidFill>
+                <a:srgbClr val="00B0F0"/>
+              </a:solidFill>
+            </a:ln>
+          </p:spPr>
+          <p:txBody>
+            <a:bodyPr wrap="square" rtlCol="0">
+              <a:spAutoFit/>
+            </a:bodyPr>
+            <a:lstStyle/>
+            <a:p>
+              <a:pPr algn="ctr"/>
+              <a:r>
+                <a:rPr lang="en-IN" dirty="0"/>
+                <a:t>Ethernet H/W</a:t>
+              </a:r>
+            </a:p>
+          </p:txBody>
+        </p:sp>
+        <p:sp>
+          <p:nvSpPr>
+            <p:cNvPr id="37" name="TextBox 36">
+              <a:extLst>
+                <a:ext uri="{FF2B5EF4-FFF2-40B4-BE49-F238E27FC236}">
+                  <a16:creationId xmlns:a16="http://schemas.microsoft.com/office/drawing/2014/main" id="{41AE2613-30C0-4961-A99B-389A11274FFE}"/>
+                </a:ext>
+              </a:extLst>
+            </p:cNvPr>
+            <p:cNvSpPr txBox="1"/>
+            <p:nvPr/>
+          </p:nvSpPr>
+          <p:spPr>
+            <a:xfrm>
+              <a:off x="3816647" y="736847"/>
+              <a:ext cx="1700063" cy="369332"/>
+            </a:xfrm>
+            <a:prstGeom prst="rect">
+              <a:avLst/>
+            </a:prstGeom>
+            <a:solidFill>
+              <a:srgbClr val="FFFF00"/>
+            </a:solidFill>
+            <a:ln w="38100">
+              <a:solidFill>
+                <a:srgbClr val="00B0F0"/>
+              </a:solidFill>
+            </a:ln>
+          </p:spPr>
+          <p:txBody>
+            <a:bodyPr wrap="square" rtlCol="0">
+              <a:spAutoFit/>
+            </a:bodyPr>
+            <a:lstStyle/>
+            <a:p>
+              <a:pPr algn="ctr"/>
+              <a:r>
+                <a:rPr lang="en-IN" dirty="0"/>
+                <a:t>Packet Receive</a:t>
+              </a:r>
+            </a:p>
+          </p:txBody>
+        </p:sp>
+        <p:sp>
+          <p:nvSpPr>
+            <p:cNvPr id="40" name="TextBox 39">
+              <a:extLst>
+                <a:ext uri="{FF2B5EF4-FFF2-40B4-BE49-F238E27FC236}">
+                  <a16:creationId xmlns:a16="http://schemas.microsoft.com/office/drawing/2014/main" id="{BD382436-8938-4E89-AAAA-2EFAABA5100A}"/>
+                </a:ext>
+              </a:extLst>
+            </p:cNvPr>
+            <p:cNvSpPr txBox="1"/>
+            <p:nvPr/>
+          </p:nvSpPr>
+          <p:spPr>
+            <a:xfrm>
+              <a:off x="3898758" y="2229503"/>
+              <a:ext cx="1535837" cy="646331"/>
+            </a:xfrm>
+            <a:prstGeom prst="rect">
+              <a:avLst/>
+            </a:prstGeom>
+            <a:noFill/>
+            <a:ln w="38100">
+              <a:solidFill>
+                <a:srgbClr val="00B0F0"/>
+              </a:solidFill>
+            </a:ln>
+          </p:spPr>
+          <p:txBody>
+            <a:bodyPr wrap="square" rtlCol="0">
+              <a:spAutoFit/>
+            </a:bodyPr>
+            <a:lstStyle/>
+            <a:p>
+              <a:pPr algn="ctr"/>
+              <a:r>
+                <a:rPr lang="en-IN" dirty="0"/>
+                <a:t>Host Ethernet Driver</a:t>
+              </a:r>
+            </a:p>
+          </p:txBody>
+        </p:sp>
+        <p:sp>
+          <p:nvSpPr>
+            <p:cNvPr id="41" name="TextBox 40">
+              <a:extLst>
+                <a:ext uri="{FF2B5EF4-FFF2-40B4-BE49-F238E27FC236}">
+                  <a16:creationId xmlns:a16="http://schemas.microsoft.com/office/drawing/2014/main" id="{D564BF5C-D4F9-4266-820F-80AA218DBA7C}"/>
+                </a:ext>
+              </a:extLst>
+            </p:cNvPr>
+            <p:cNvSpPr txBox="1"/>
+            <p:nvPr/>
+          </p:nvSpPr>
+          <p:spPr>
+            <a:xfrm>
+              <a:off x="3898757" y="3088043"/>
+              <a:ext cx="1535837" cy="369332"/>
+            </a:xfrm>
+            <a:prstGeom prst="rect">
+              <a:avLst/>
+            </a:prstGeom>
+            <a:noFill/>
+            <a:ln w="38100">
+              <a:solidFill>
+                <a:srgbClr val="00B0F0"/>
+              </a:solidFill>
+            </a:ln>
+          </p:spPr>
+          <p:txBody>
+            <a:bodyPr wrap="square" rtlCol="0">
+              <a:spAutoFit/>
+            </a:bodyPr>
+            <a:lstStyle/>
+            <a:p>
+              <a:pPr algn="ctr"/>
+              <a:r>
+                <a:rPr lang="en-IN" dirty="0"/>
+                <a:t>VMNet Driver</a:t>
+              </a:r>
+            </a:p>
+          </p:txBody>
+        </p:sp>
+        <p:sp>
+          <p:nvSpPr>
+            <p:cNvPr id="42" name="TextBox 41">
+              <a:extLst>
+                <a:ext uri="{FF2B5EF4-FFF2-40B4-BE49-F238E27FC236}">
+                  <a16:creationId xmlns:a16="http://schemas.microsoft.com/office/drawing/2014/main" id="{7A93034D-CC17-4BA6-92FF-7C2E70882A09}"/>
+                </a:ext>
+              </a:extLst>
+            </p:cNvPr>
+            <p:cNvSpPr txBox="1"/>
+            <p:nvPr/>
+          </p:nvSpPr>
+          <p:spPr>
+            <a:xfrm>
+              <a:off x="3898756" y="3661038"/>
+              <a:ext cx="1535837" cy="369332"/>
+            </a:xfrm>
+            <a:prstGeom prst="rect">
+              <a:avLst/>
+            </a:prstGeom>
+            <a:noFill/>
+            <a:ln w="38100">
+              <a:solidFill>
+                <a:srgbClr val="00B0F0"/>
+              </a:solidFill>
+            </a:ln>
+          </p:spPr>
+          <p:txBody>
+            <a:bodyPr wrap="square" rtlCol="0">
+              <a:spAutoFit/>
+            </a:bodyPr>
+            <a:lstStyle/>
+            <a:p>
+              <a:pPr algn="ctr"/>
+              <a:r>
+                <a:rPr lang="en-IN" dirty="0"/>
+                <a:t>VMApp</a:t>
+              </a:r>
+            </a:p>
+          </p:txBody>
+        </p:sp>
+        <p:sp>
+          <p:nvSpPr>
+            <p:cNvPr id="43" name="TextBox 42">
+              <a:extLst>
+                <a:ext uri="{FF2B5EF4-FFF2-40B4-BE49-F238E27FC236}">
+                  <a16:creationId xmlns:a16="http://schemas.microsoft.com/office/drawing/2014/main" id="{3BF33081-477D-49D7-9933-AF73F9717861}"/>
+                </a:ext>
+              </a:extLst>
+            </p:cNvPr>
+            <p:cNvSpPr txBox="1"/>
+            <p:nvPr/>
+          </p:nvSpPr>
+          <p:spPr>
+            <a:xfrm>
+              <a:off x="3898755" y="4284495"/>
+              <a:ext cx="1535837" cy="369332"/>
+            </a:xfrm>
+            <a:prstGeom prst="rect">
+              <a:avLst/>
+            </a:prstGeom>
+            <a:noFill/>
+            <a:ln w="38100">
+              <a:solidFill>
+                <a:srgbClr val="00B0F0"/>
+              </a:solidFill>
+            </a:ln>
+          </p:spPr>
+          <p:txBody>
+            <a:bodyPr wrap="square" rtlCol="0">
+              <a:spAutoFit/>
+            </a:bodyPr>
+            <a:lstStyle/>
+            <a:p>
+              <a:pPr algn="ctr"/>
+              <a:r>
+                <a:rPr lang="en-IN" dirty="0"/>
+                <a:t>VMM</a:t>
+              </a:r>
+            </a:p>
+          </p:txBody>
+        </p:sp>
+        <p:sp>
+          <p:nvSpPr>
+            <p:cNvPr id="44" name="TextBox 43">
+              <a:extLst>
+                <a:ext uri="{FF2B5EF4-FFF2-40B4-BE49-F238E27FC236}">
+                  <a16:creationId xmlns:a16="http://schemas.microsoft.com/office/drawing/2014/main" id="{985277D1-A3F6-4B75-A050-717A9B63CF25}"/>
+                </a:ext>
+              </a:extLst>
+            </p:cNvPr>
+            <p:cNvSpPr txBox="1"/>
+            <p:nvPr/>
+          </p:nvSpPr>
+          <p:spPr>
+            <a:xfrm>
+              <a:off x="3898754" y="4893504"/>
+              <a:ext cx="1535837" cy="369332"/>
+            </a:xfrm>
+            <a:prstGeom prst="rect">
+              <a:avLst/>
+            </a:prstGeom>
+            <a:noFill/>
+            <a:ln w="38100">
+              <a:solidFill>
+                <a:srgbClr val="00B0F0"/>
+              </a:solidFill>
+            </a:ln>
+          </p:spPr>
+          <p:txBody>
+            <a:bodyPr wrap="square" rtlCol="0">
+              <a:spAutoFit/>
+            </a:bodyPr>
+            <a:lstStyle/>
+            <a:p>
+              <a:pPr algn="ctr"/>
+              <a:r>
+                <a:rPr lang="en-IN" dirty="0"/>
+                <a:t>Guest OS</a:t>
+              </a:r>
+            </a:p>
+          </p:txBody>
+        </p:sp>
+        <p:sp>
+          <p:nvSpPr>
+            <p:cNvPr id="45" name="TextBox 44">
+              <a:extLst>
+                <a:ext uri="{FF2B5EF4-FFF2-40B4-BE49-F238E27FC236}">
+                  <a16:creationId xmlns:a16="http://schemas.microsoft.com/office/drawing/2014/main" id="{E69E4843-A6F9-4592-BE37-A7C1EBB98D35}"/>
+                </a:ext>
+              </a:extLst>
+            </p:cNvPr>
+            <p:cNvSpPr txBox="1"/>
+            <p:nvPr/>
+          </p:nvSpPr>
+          <p:spPr>
+            <a:xfrm>
+              <a:off x="3898754" y="5447502"/>
+              <a:ext cx="1535837" cy="369332"/>
+            </a:xfrm>
+            <a:prstGeom prst="rect">
+              <a:avLst/>
+            </a:prstGeom>
+            <a:noFill/>
+            <a:ln w="38100">
+              <a:solidFill>
+                <a:srgbClr val="00B0F0"/>
+              </a:solidFill>
+            </a:ln>
+          </p:spPr>
+          <p:txBody>
+            <a:bodyPr wrap="square" rtlCol="0">
+              <a:spAutoFit/>
+            </a:bodyPr>
+            <a:lstStyle/>
+            <a:p>
+              <a:pPr algn="ctr"/>
+              <a:r>
+                <a:rPr lang="en-IN" dirty="0"/>
+                <a:t>VMM</a:t>
+              </a:r>
+            </a:p>
+          </p:txBody>
+        </p:sp>
+        <p:sp>
+          <p:nvSpPr>
+            <p:cNvPr id="46" name="TextBox 45">
+              <a:extLst>
+                <a:ext uri="{FF2B5EF4-FFF2-40B4-BE49-F238E27FC236}">
+                  <a16:creationId xmlns:a16="http://schemas.microsoft.com/office/drawing/2014/main" id="{61A00AE5-5C0B-4749-91AB-07D65CD056C2}"/>
+                </a:ext>
+              </a:extLst>
+            </p:cNvPr>
+            <p:cNvSpPr txBox="1"/>
+            <p:nvPr/>
+          </p:nvSpPr>
+          <p:spPr>
+            <a:xfrm>
+              <a:off x="5771952" y="5446971"/>
+              <a:ext cx="1535837" cy="369332"/>
+            </a:xfrm>
+            <a:prstGeom prst="rect">
+              <a:avLst/>
+            </a:prstGeom>
+            <a:noFill/>
+            <a:ln w="38100">
+              <a:solidFill>
+                <a:srgbClr val="00B0F0"/>
+              </a:solidFill>
+            </a:ln>
+          </p:spPr>
+          <p:txBody>
+            <a:bodyPr wrap="square" rtlCol="0">
+              <a:spAutoFit/>
+            </a:bodyPr>
+            <a:lstStyle/>
+            <a:p>
+              <a:pPr algn="ctr"/>
+              <a:r>
+                <a:rPr lang="en-IN" dirty="0"/>
+                <a:t>VMDriver</a:t>
+              </a:r>
+            </a:p>
+          </p:txBody>
+        </p:sp>
+        <p:sp>
+          <p:nvSpPr>
+            <p:cNvPr id="47" name="TextBox 46">
+              <a:extLst>
+                <a:ext uri="{FF2B5EF4-FFF2-40B4-BE49-F238E27FC236}">
+                  <a16:creationId xmlns:a16="http://schemas.microsoft.com/office/drawing/2014/main" id="{9CE76DC6-6C06-4DBE-A2C4-AAD4A9D35FBF}"/>
+                </a:ext>
+              </a:extLst>
+            </p:cNvPr>
+            <p:cNvSpPr txBox="1"/>
+            <p:nvPr/>
+          </p:nvSpPr>
+          <p:spPr>
+            <a:xfrm>
+              <a:off x="7645150" y="5446971"/>
+              <a:ext cx="1535837" cy="369332"/>
+            </a:xfrm>
+            <a:prstGeom prst="rect">
+              <a:avLst/>
+            </a:prstGeom>
+            <a:noFill/>
+            <a:ln w="38100">
+              <a:solidFill>
+                <a:srgbClr val="00B0F0"/>
+              </a:solidFill>
+            </a:ln>
+          </p:spPr>
+          <p:txBody>
+            <a:bodyPr wrap="square" rtlCol="0">
+              <a:spAutoFit/>
+            </a:bodyPr>
+            <a:lstStyle/>
+            <a:p>
+              <a:pPr algn="ctr"/>
+              <a:r>
+                <a:rPr lang="en-IN" dirty="0"/>
+                <a:t>VMApp</a:t>
+              </a:r>
+            </a:p>
+          </p:txBody>
+        </p:sp>
+        <p:cxnSp>
+          <p:nvCxnSpPr>
+            <p:cNvPr id="48" name="Straight Arrow Connector 47">
+              <a:extLst>
+                <a:ext uri="{FF2B5EF4-FFF2-40B4-BE49-F238E27FC236}">
+                  <a16:creationId xmlns:a16="http://schemas.microsoft.com/office/drawing/2014/main" id="{DCEDFA30-5B55-4280-BD51-7119074930A2}"/>
+                </a:ext>
+              </a:extLst>
+            </p:cNvPr>
+            <p:cNvCxnSpPr>
+              <a:cxnSpLocks/>
+              <a:stCxn id="46" idx="3"/>
+              <a:endCxn id="47" idx="1"/>
+            </p:cNvCxnSpPr>
+            <p:nvPr/>
+          </p:nvCxnSpPr>
+          <p:spPr>
+            <a:xfrm>
+              <a:off x="7307789" y="5631637"/>
+              <a:ext cx="337361" cy="0"/>
+            </a:xfrm>
+            <a:prstGeom prst="straightConnector1">
+              <a:avLst/>
+            </a:prstGeom>
+            <a:ln>
+              <a:solidFill>
+                <a:srgbClr val="FF0000"/>
+              </a:solidFill>
+              <a:tailEnd type="triangle"/>
+            </a:ln>
+          </p:spPr>
+          <p:style>
+            <a:lnRef idx="1">
+              <a:schemeClr val="accent1"/>
+            </a:lnRef>
+            <a:fillRef idx="0">
+              <a:schemeClr val="accent1"/>
+            </a:fillRef>
+            <a:effectRef idx="0">
+              <a:schemeClr val="accent1"/>
+            </a:effectRef>
+            <a:fontRef idx="minor">
+              <a:schemeClr val="tx1"/>
+            </a:fontRef>
+          </p:style>
+        </p:cxnSp>
+        <p:cxnSp>
+          <p:nvCxnSpPr>
+            <p:cNvPr id="49" name="Straight Arrow Connector 48">
+              <a:extLst>
+                <a:ext uri="{FF2B5EF4-FFF2-40B4-BE49-F238E27FC236}">
+                  <a16:creationId xmlns:a16="http://schemas.microsoft.com/office/drawing/2014/main" id="{A489A54C-DC02-4D79-89A1-8AEE4F9440AB}"/>
+                </a:ext>
+              </a:extLst>
+            </p:cNvPr>
+            <p:cNvCxnSpPr>
+              <a:cxnSpLocks/>
+              <a:stCxn id="45" idx="3"/>
+              <a:endCxn id="46" idx="1"/>
+            </p:cNvCxnSpPr>
+            <p:nvPr/>
+          </p:nvCxnSpPr>
+          <p:spPr>
+            <a:xfrm flipV="1">
+              <a:off x="5434591" y="5631637"/>
+              <a:ext cx="337361" cy="531"/>
+            </a:xfrm>
+            <a:prstGeom prst="straightConnector1">
+              <a:avLst/>
+            </a:prstGeom>
+            <a:ln>
+              <a:solidFill>
+                <a:srgbClr val="FF0000"/>
+              </a:solidFill>
+              <a:tailEnd type="triangle"/>
+            </a:ln>
+          </p:spPr>
+          <p:style>
+            <a:lnRef idx="1">
+              <a:schemeClr val="accent1"/>
+            </a:lnRef>
+            <a:fillRef idx="0">
+              <a:schemeClr val="accent1"/>
+            </a:fillRef>
+            <a:effectRef idx="0">
+              <a:schemeClr val="accent1"/>
+            </a:effectRef>
+            <a:fontRef idx="minor">
+              <a:schemeClr val="tx1"/>
+            </a:fontRef>
+          </p:style>
+        </p:cxnSp>
+        <p:cxnSp>
+          <p:nvCxnSpPr>
+            <p:cNvPr id="50" name="Straight Arrow Connector 49">
+              <a:extLst>
+                <a:ext uri="{FF2B5EF4-FFF2-40B4-BE49-F238E27FC236}">
+                  <a16:creationId xmlns:a16="http://schemas.microsoft.com/office/drawing/2014/main" id="{01B87C84-6375-4361-B8B8-16718C28AD02}"/>
+                </a:ext>
+              </a:extLst>
+            </p:cNvPr>
+            <p:cNvCxnSpPr>
+              <a:cxnSpLocks/>
+              <a:stCxn id="44" idx="2"/>
+              <a:endCxn id="45" idx="0"/>
+            </p:cNvCxnSpPr>
+            <p:nvPr/>
+          </p:nvCxnSpPr>
+          <p:spPr>
+            <a:xfrm>
+              <a:off x="4666673" y="5262836"/>
+              <a:ext cx="0" cy="184666"/>
+            </a:xfrm>
+            <a:prstGeom prst="straightConnector1">
+              <a:avLst/>
+            </a:prstGeom>
+            <a:ln>
+              <a:solidFill>
+                <a:srgbClr val="FF0000"/>
+              </a:solidFill>
+              <a:tailEnd type="triangle"/>
+            </a:ln>
+          </p:spPr>
+          <p:style>
+            <a:lnRef idx="1">
+              <a:schemeClr val="accent1"/>
+            </a:lnRef>
+            <a:fillRef idx="0">
+              <a:schemeClr val="accent1"/>
+            </a:fillRef>
+            <a:effectRef idx="0">
+              <a:schemeClr val="accent1"/>
+            </a:effectRef>
+            <a:fontRef idx="minor">
+              <a:schemeClr val="tx1"/>
+            </a:fontRef>
+          </p:style>
+        </p:cxnSp>
+        <p:cxnSp>
+          <p:nvCxnSpPr>
+            <p:cNvPr id="51" name="Straight Arrow Connector 50">
+              <a:extLst>
+                <a:ext uri="{FF2B5EF4-FFF2-40B4-BE49-F238E27FC236}">
+                  <a16:creationId xmlns:a16="http://schemas.microsoft.com/office/drawing/2014/main" id="{142E00E1-C14B-4943-B5CF-247F4EB5AFBD}"/>
+                </a:ext>
+              </a:extLst>
+            </p:cNvPr>
+            <p:cNvCxnSpPr>
+              <a:cxnSpLocks/>
+              <a:stCxn id="43" idx="2"/>
+              <a:endCxn id="44" idx="0"/>
+            </p:cNvCxnSpPr>
+            <p:nvPr/>
+          </p:nvCxnSpPr>
+          <p:spPr>
+            <a:xfrm flipH="1">
+              <a:off x="4666673" y="4653827"/>
+              <a:ext cx="1" cy="239677"/>
+            </a:xfrm>
+            <a:prstGeom prst="straightConnector1">
+              <a:avLst/>
+            </a:prstGeom>
+            <a:ln>
+              <a:solidFill>
+                <a:srgbClr val="FF0000"/>
+              </a:solidFill>
+              <a:tailEnd type="triangle"/>
+            </a:ln>
+          </p:spPr>
+          <p:style>
+            <a:lnRef idx="1">
+              <a:schemeClr val="accent1"/>
+            </a:lnRef>
+            <a:fillRef idx="0">
+              <a:schemeClr val="accent1"/>
+            </a:fillRef>
+            <a:effectRef idx="0">
+              <a:schemeClr val="accent1"/>
+            </a:effectRef>
+            <a:fontRef idx="minor">
+              <a:schemeClr val="tx1"/>
+            </a:fontRef>
+          </p:style>
+        </p:cxnSp>
+        <p:cxnSp>
+          <p:nvCxnSpPr>
+            <p:cNvPr id="52" name="Straight Arrow Connector 51">
+              <a:extLst>
+                <a:ext uri="{FF2B5EF4-FFF2-40B4-BE49-F238E27FC236}">
+                  <a16:creationId xmlns:a16="http://schemas.microsoft.com/office/drawing/2014/main" id="{FF7C2639-5717-4AD4-B2CC-4713FD9EAADF}"/>
+                </a:ext>
+              </a:extLst>
+            </p:cNvPr>
+            <p:cNvCxnSpPr>
+              <a:cxnSpLocks/>
+              <a:stCxn id="42" idx="2"/>
+              <a:endCxn id="43" idx="0"/>
+            </p:cNvCxnSpPr>
+            <p:nvPr/>
+          </p:nvCxnSpPr>
+          <p:spPr>
+            <a:xfrm flipH="1">
+              <a:off x="4666674" y="4030370"/>
+              <a:ext cx="1" cy="254125"/>
+            </a:xfrm>
+            <a:prstGeom prst="straightConnector1">
+              <a:avLst/>
+            </a:prstGeom>
+            <a:ln>
+              <a:solidFill>
+                <a:srgbClr val="FF0000"/>
+              </a:solidFill>
+              <a:tailEnd type="triangle"/>
+            </a:ln>
+          </p:spPr>
+          <p:style>
+            <a:lnRef idx="1">
+              <a:schemeClr val="accent1"/>
+            </a:lnRef>
+            <a:fillRef idx="0">
+              <a:schemeClr val="accent1"/>
+            </a:fillRef>
+            <a:effectRef idx="0">
+              <a:schemeClr val="accent1"/>
+            </a:effectRef>
+            <a:fontRef idx="minor">
+              <a:schemeClr val="tx1"/>
+            </a:fontRef>
+          </p:style>
+        </p:cxnSp>
+        <p:cxnSp>
+          <p:nvCxnSpPr>
+            <p:cNvPr id="53" name="Straight Arrow Connector 52">
+              <a:extLst>
+                <a:ext uri="{FF2B5EF4-FFF2-40B4-BE49-F238E27FC236}">
+                  <a16:creationId xmlns:a16="http://schemas.microsoft.com/office/drawing/2014/main" id="{0D9E756F-2CDB-489F-8FCE-453A124D06A8}"/>
+                </a:ext>
+              </a:extLst>
+            </p:cNvPr>
+            <p:cNvCxnSpPr>
+              <a:cxnSpLocks/>
+              <a:stCxn id="41" idx="2"/>
+              <a:endCxn id="42" idx="0"/>
+            </p:cNvCxnSpPr>
+            <p:nvPr/>
+          </p:nvCxnSpPr>
+          <p:spPr>
+            <a:xfrm flipH="1">
+              <a:off x="4666675" y="3457375"/>
+              <a:ext cx="1" cy="203663"/>
+            </a:xfrm>
+            <a:prstGeom prst="straightConnector1">
+              <a:avLst/>
+            </a:prstGeom>
+            <a:ln>
+              <a:solidFill>
+                <a:srgbClr val="FF0000"/>
+              </a:solidFill>
+              <a:tailEnd type="triangle"/>
+            </a:ln>
+          </p:spPr>
+          <p:style>
+            <a:lnRef idx="1">
+              <a:schemeClr val="accent1"/>
+            </a:lnRef>
+            <a:fillRef idx="0">
+              <a:schemeClr val="accent1"/>
+            </a:fillRef>
+            <a:effectRef idx="0">
+              <a:schemeClr val="accent1"/>
+            </a:effectRef>
+            <a:fontRef idx="minor">
+              <a:schemeClr val="tx1"/>
+            </a:fontRef>
+          </p:style>
+        </p:cxnSp>
+        <p:cxnSp>
+          <p:nvCxnSpPr>
+            <p:cNvPr id="54" name="Straight Arrow Connector 53">
+              <a:extLst>
+                <a:ext uri="{FF2B5EF4-FFF2-40B4-BE49-F238E27FC236}">
+                  <a16:creationId xmlns:a16="http://schemas.microsoft.com/office/drawing/2014/main" id="{ACE6F169-F8BB-404B-8886-6ED40E45BCC3}"/>
+                </a:ext>
+              </a:extLst>
+            </p:cNvPr>
+            <p:cNvCxnSpPr>
+              <a:cxnSpLocks/>
+              <a:stCxn id="40" idx="2"/>
+              <a:endCxn id="41" idx="0"/>
+            </p:cNvCxnSpPr>
+            <p:nvPr/>
+          </p:nvCxnSpPr>
+          <p:spPr>
+            <a:xfrm flipH="1">
+              <a:off x="4666676" y="2875834"/>
+              <a:ext cx="1" cy="212209"/>
+            </a:xfrm>
+            <a:prstGeom prst="straightConnector1">
+              <a:avLst/>
+            </a:prstGeom>
+            <a:ln>
+              <a:solidFill>
+                <a:srgbClr val="FF0000"/>
+              </a:solidFill>
+              <a:tailEnd type="triangle"/>
+            </a:ln>
+          </p:spPr>
+          <p:style>
+            <a:lnRef idx="1">
+              <a:schemeClr val="accent1"/>
+            </a:lnRef>
+            <a:fillRef idx="0">
+              <a:schemeClr val="accent1"/>
+            </a:fillRef>
+            <a:effectRef idx="0">
+              <a:schemeClr val="accent1"/>
+            </a:effectRef>
+            <a:fontRef idx="minor">
+              <a:schemeClr val="tx1"/>
+            </a:fontRef>
+          </p:style>
+        </p:cxnSp>
+        <p:cxnSp>
+          <p:nvCxnSpPr>
+            <p:cNvPr id="55" name="Straight Arrow Connector 54">
+              <a:extLst>
+                <a:ext uri="{FF2B5EF4-FFF2-40B4-BE49-F238E27FC236}">
+                  <a16:creationId xmlns:a16="http://schemas.microsoft.com/office/drawing/2014/main" id="{E93F8FC0-660E-4C8C-A0C8-0466939F4C45}"/>
+                </a:ext>
+              </a:extLst>
+            </p:cNvPr>
+            <p:cNvCxnSpPr>
+              <a:cxnSpLocks/>
+              <a:stCxn id="36" idx="2"/>
+              <a:endCxn id="40" idx="0"/>
+            </p:cNvCxnSpPr>
+            <p:nvPr/>
+          </p:nvCxnSpPr>
+          <p:spPr>
+            <a:xfrm flipH="1">
+              <a:off x="4666677" y="2009651"/>
+              <a:ext cx="1" cy="219852"/>
+            </a:xfrm>
+            <a:prstGeom prst="straightConnector1">
+              <a:avLst/>
+            </a:prstGeom>
+            <a:ln>
+              <a:solidFill>
+                <a:srgbClr val="FF0000"/>
+              </a:solidFill>
+              <a:tailEnd type="triangle"/>
+            </a:ln>
+          </p:spPr>
+          <p:style>
+            <a:lnRef idx="1">
+              <a:schemeClr val="accent1"/>
+            </a:lnRef>
+            <a:fillRef idx="0">
+              <a:schemeClr val="accent1"/>
+            </a:fillRef>
+            <a:effectRef idx="0">
+              <a:schemeClr val="accent1"/>
+            </a:effectRef>
+            <a:fontRef idx="minor">
+              <a:schemeClr val="tx1"/>
+            </a:fontRef>
+          </p:style>
+        </p:cxnSp>
+        <p:sp>
+          <p:nvSpPr>
+            <p:cNvPr id="72" name="TextBox 71">
+              <a:extLst>
+                <a:ext uri="{FF2B5EF4-FFF2-40B4-BE49-F238E27FC236}">
+                  <a16:creationId xmlns:a16="http://schemas.microsoft.com/office/drawing/2014/main" id="{AAB7D33B-291F-463D-BCAE-068A01940CA5}"/>
+                </a:ext>
+              </a:extLst>
+            </p:cNvPr>
+            <p:cNvSpPr txBox="1"/>
+            <p:nvPr/>
+          </p:nvSpPr>
+          <p:spPr>
+            <a:xfrm>
+              <a:off x="5765900" y="1960361"/>
+              <a:ext cx="1416297" cy="307777"/>
+            </a:xfrm>
+            <a:prstGeom prst="rect">
+              <a:avLst/>
+            </a:prstGeom>
+            <a:noFill/>
+          </p:spPr>
+          <p:txBody>
+            <a:bodyPr wrap="square" rtlCol="0">
+              <a:spAutoFit/>
+            </a:bodyPr>
+            <a:lstStyle/>
+            <a:p>
+              <a:r>
+                <a:rPr lang="en-IN" sz="1400" dirty="0"/>
+                <a:t>Device Interrupt</a:t>
+              </a:r>
+            </a:p>
+          </p:txBody>
+        </p:sp>
+        <p:sp>
+          <p:nvSpPr>
+            <p:cNvPr id="73" name="TextBox 72">
+              <a:extLst>
+                <a:ext uri="{FF2B5EF4-FFF2-40B4-BE49-F238E27FC236}">
+                  <a16:creationId xmlns:a16="http://schemas.microsoft.com/office/drawing/2014/main" id="{19848E4F-428D-4A84-9B92-82CAFDB60B85}"/>
+                </a:ext>
+              </a:extLst>
+            </p:cNvPr>
+            <p:cNvSpPr txBox="1"/>
+            <p:nvPr/>
+          </p:nvSpPr>
+          <p:spPr>
+            <a:xfrm>
+              <a:off x="5771952" y="2826433"/>
+              <a:ext cx="1136332" cy="307777"/>
+            </a:xfrm>
+            <a:prstGeom prst="rect">
+              <a:avLst/>
+            </a:prstGeom>
+            <a:noFill/>
+          </p:spPr>
+          <p:txBody>
+            <a:bodyPr wrap="square" rtlCol="0">
+              <a:spAutoFit/>
+            </a:bodyPr>
+            <a:lstStyle/>
+            <a:p>
+              <a:r>
+                <a:rPr lang="en-IN" sz="1400" dirty="0"/>
+                <a:t>Bridge Code</a:t>
+              </a:r>
+            </a:p>
+          </p:txBody>
+        </p:sp>
+        <p:sp>
+          <p:nvSpPr>
+            <p:cNvPr id="74" name="TextBox 73">
+              <a:extLst>
+                <a:ext uri="{FF2B5EF4-FFF2-40B4-BE49-F238E27FC236}">
+                  <a16:creationId xmlns:a16="http://schemas.microsoft.com/office/drawing/2014/main" id="{D81198B2-E23C-4902-9967-5C1AF68430F3}"/>
+                </a:ext>
+              </a:extLst>
+            </p:cNvPr>
+            <p:cNvSpPr txBox="1"/>
+            <p:nvPr/>
+          </p:nvSpPr>
+          <p:spPr>
+            <a:xfrm>
+              <a:off x="5737174" y="3314777"/>
+              <a:ext cx="1535836" cy="523220"/>
+            </a:xfrm>
+            <a:prstGeom prst="rect">
+              <a:avLst/>
+            </a:prstGeom>
+            <a:noFill/>
+          </p:spPr>
+          <p:txBody>
+            <a:bodyPr wrap="square" rtlCol="0">
+              <a:spAutoFit/>
+            </a:bodyPr>
+            <a:lstStyle/>
+            <a:p>
+              <a:r>
+                <a:rPr lang="en-IN" sz="1400" dirty="0"/>
+                <a:t>Return from select()</a:t>
+              </a:r>
+            </a:p>
+          </p:txBody>
+        </p:sp>
+        <p:sp>
+          <p:nvSpPr>
+            <p:cNvPr id="75" name="TextBox 74">
+              <a:extLst>
+                <a:ext uri="{FF2B5EF4-FFF2-40B4-BE49-F238E27FC236}">
+                  <a16:creationId xmlns:a16="http://schemas.microsoft.com/office/drawing/2014/main" id="{0061C21E-3AC6-445A-9857-D7146348AE94}"/>
+                </a:ext>
+              </a:extLst>
+            </p:cNvPr>
+            <p:cNvSpPr txBox="1"/>
+            <p:nvPr/>
+          </p:nvSpPr>
+          <p:spPr>
+            <a:xfrm>
+              <a:off x="5737174" y="3982027"/>
+              <a:ext cx="1337588" cy="523220"/>
+            </a:xfrm>
+            <a:prstGeom prst="rect">
+              <a:avLst/>
+            </a:prstGeom>
+            <a:noFill/>
+          </p:spPr>
+          <p:txBody>
+            <a:bodyPr wrap="square" rtlCol="0">
+              <a:spAutoFit/>
+            </a:bodyPr>
+            <a:lstStyle/>
+            <a:p>
+              <a:r>
+                <a:rPr lang="en-IN" sz="1400" dirty="0"/>
+                <a:t>memcpy to VM </a:t>
+              </a:r>
+            </a:p>
+            <a:p>
+              <a:r>
+                <a:rPr lang="en-IN" sz="1400" dirty="0"/>
+                <a:t>memory</a:t>
+              </a:r>
+            </a:p>
+          </p:txBody>
+        </p:sp>
+        <p:sp>
+          <p:nvSpPr>
+            <p:cNvPr id="76" name="TextBox 75">
+              <a:extLst>
+                <a:ext uri="{FF2B5EF4-FFF2-40B4-BE49-F238E27FC236}">
+                  <a16:creationId xmlns:a16="http://schemas.microsoft.com/office/drawing/2014/main" id="{D5520017-9B66-490E-840D-95AABF993C9E}"/>
+                </a:ext>
+              </a:extLst>
+            </p:cNvPr>
+            <p:cNvSpPr txBox="1"/>
+            <p:nvPr/>
+          </p:nvSpPr>
+          <p:spPr>
+            <a:xfrm>
+              <a:off x="5752694" y="4626606"/>
+              <a:ext cx="1136332" cy="307777"/>
+            </a:xfrm>
+            <a:prstGeom prst="rect">
+              <a:avLst/>
+            </a:prstGeom>
+            <a:noFill/>
+          </p:spPr>
+          <p:txBody>
+            <a:bodyPr wrap="square" rtlCol="0">
+              <a:spAutoFit/>
+            </a:bodyPr>
+            <a:lstStyle/>
+            <a:p>
+              <a:r>
+                <a:rPr lang="en-IN" sz="1400" dirty="0"/>
+                <a:t>Raise IRQ</a:t>
+              </a:r>
+            </a:p>
+          </p:txBody>
+        </p:sp>
+        <p:sp>
+          <p:nvSpPr>
+            <p:cNvPr id="77" name="TextBox 76">
+              <a:extLst>
+                <a:ext uri="{FF2B5EF4-FFF2-40B4-BE49-F238E27FC236}">
+                  <a16:creationId xmlns:a16="http://schemas.microsoft.com/office/drawing/2014/main" id="{AC9BC951-9D90-4A10-8A45-A3855630122E}"/>
+                </a:ext>
+              </a:extLst>
+            </p:cNvPr>
+            <p:cNvSpPr txBox="1"/>
+            <p:nvPr/>
+          </p:nvSpPr>
+          <p:spPr>
+            <a:xfrm>
+              <a:off x="5720149" y="5093559"/>
+              <a:ext cx="1337589" cy="307777"/>
+            </a:xfrm>
+            <a:prstGeom prst="rect">
+              <a:avLst/>
+            </a:prstGeom>
+            <a:noFill/>
+          </p:spPr>
+          <p:txBody>
+            <a:bodyPr wrap="square" rtlCol="0">
+              <a:spAutoFit/>
+            </a:bodyPr>
+            <a:lstStyle/>
+            <a:p>
+              <a:r>
+                <a:rPr lang="en-IN" sz="1400" dirty="0"/>
+                <a:t>IN to I/O Port</a:t>
+              </a:r>
+            </a:p>
+          </p:txBody>
+        </p:sp>
+        <p:sp>
+          <p:nvSpPr>
+            <p:cNvPr id="78" name="TextBox 77">
+              <a:extLst>
+                <a:ext uri="{FF2B5EF4-FFF2-40B4-BE49-F238E27FC236}">
+                  <a16:creationId xmlns:a16="http://schemas.microsoft.com/office/drawing/2014/main" id="{A3BD79CB-1FB8-4D83-A777-66D3584A68DD}"/>
+                </a:ext>
+              </a:extLst>
+            </p:cNvPr>
+            <p:cNvSpPr txBox="1"/>
+            <p:nvPr/>
+          </p:nvSpPr>
+          <p:spPr>
+            <a:xfrm>
+              <a:off x="5035104" y="6089956"/>
+              <a:ext cx="1334641" cy="307777"/>
+            </a:xfrm>
+            <a:prstGeom prst="rect">
+              <a:avLst/>
+            </a:prstGeom>
+            <a:noFill/>
+          </p:spPr>
+          <p:txBody>
+            <a:bodyPr wrap="square" rtlCol="0">
+              <a:spAutoFit/>
+            </a:bodyPr>
+            <a:lstStyle/>
+            <a:p>
+              <a:r>
+                <a:rPr lang="en-IN" sz="1400" dirty="0"/>
+                <a:t>Context Switch</a:t>
+              </a:r>
+            </a:p>
+          </p:txBody>
+        </p:sp>
+        <p:sp>
+          <p:nvSpPr>
+            <p:cNvPr id="79" name="TextBox 78">
+              <a:extLst>
+                <a:ext uri="{FF2B5EF4-FFF2-40B4-BE49-F238E27FC236}">
+                  <a16:creationId xmlns:a16="http://schemas.microsoft.com/office/drawing/2014/main" id="{424B0B0B-B796-4412-974E-33EF187ADE45}"/>
+                </a:ext>
+              </a:extLst>
+            </p:cNvPr>
+            <p:cNvSpPr txBox="1"/>
+            <p:nvPr/>
+          </p:nvSpPr>
+          <p:spPr>
+            <a:xfrm>
+              <a:off x="6921585" y="6074286"/>
+              <a:ext cx="1583223" cy="307777"/>
+            </a:xfrm>
+            <a:prstGeom prst="rect">
+              <a:avLst/>
+            </a:prstGeom>
+            <a:noFill/>
+          </p:spPr>
+          <p:txBody>
+            <a:bodyPr wrap="square" rtlCol="0">
+              <a:spAutoFit/>
+            </a:bodyPr>
+            <a:lstStyle/>
+            <a:p>
+              <a:r>
+                <a:rPr lang="en-IN" sz="1400" dirty="0"/>
+                <a:t>Return from IOCTL</a:t>
+              </a:r>
+            </a:p>
+          </p:txBody>
+        </p:sp>
+        <p:sp>
+          <p:nvSpPr>
+            <p:cNvPr id="80" name="Rectangle 79">
+              <a:extLst>
+                <a:ext uri="{FF2B5EF4-FFF2-40B4-BE49-F238E27FC236}">
+                  <a16:creationId xmlns:a16="http://schemas.microsoft.com/office/drawing/2014/main" id="{58CFCBE0-A1DD-4C7D-A5D7-CAC81F654B0F}"/>
+                </a:ext>
+              </a:extLst>
+            </p:cNvPr>
+            <p:cNvSpPr/>
+            <p:nvPr/>
+          </p:nvSpPr>
+          <p:spPr>
+            <a:xfrm>
+              <a:off x="3706781" y="2987461"/>
+              <a:ext cx="1919784" cy="1757625"/>
+            </a:xfrm>
+            <a:prstGeom prst="rect">
+              <a:avLst/>
+            </a:prstGeom>
+            <a:noFill/>
+            <a:ln>
+              <a:prstDash val="lgDash"/>
+            </a:ln>
+          </p:spPr>
+          <p:style>
+            <a:lnRef idx="2">
+              <a:schemeClr val="accent1">
+                <a:shade val="50000"/>
+              </a:schemeClr>
+            </a:lnRef>
+            <a:fillRef idx="1">
+              <a:schemeClr val="accent1"/>
+            </a:fillRef>
+            <a:effectRef idx="0">
+              <a:schemeClr val="accent1"/>
+            </a:effectRef>
+            <a:fontRef idx="minor">
+              <a:schemeClr val="lt1"/>
+            </a:fontRef>
+          </p:style>
+          <p:txBody>
+            <a:bodyPr rtlCol="0" anchor="ctr"/>
+            <a:lstStyle/>
+            <a:p>
+              <a:pPr algn="ctr"/>
+              <a:endParaRPr lang="en-IN"/>
+            </a:p>
+          </p:txBody>
+        </p:sp>
+        <p:sp>
+          <p:nvSpPr>
+            <p:cNvPr id="81" name="Rectangle 80">
+              <a:extLst>
+                <a:ext uri="{FF2B5EF4-FFF2-40B4-BE49-F238E27FC236}">
+                  <a16:creationId xmlns:a16="http://schemas.microsoft.com/office/drawing/2014/main" id="{DC9532E9-D6D1-43A4-A73C-AADD43581738}"/>
+                </a:ext>
+              </a:extLst>
+            </p:cNvPr>
+            <p:cNvSpPr/>
+            <p:nvPr/>
+          </p:nvSpPr>
+          <p:spPr>
+            <a:xfrm>
+              <a:off x="3741371" y="5326627"/>
+              <a:ext cx="5596997" cy="670657"/>
+            </a:xfrm>
+            <a:prstGeom prst="rect">
+              <a:avLst/>
+            </a:prstGeom>
+            <a:noFill/>
+            <a:ln>
+              <a:prstDash val="lgDash"/>
+            </a:ln>
+          </p:spPr>
+          <p:style>
+            <a:lnRef idx="2">
+              <a:schemeClr val="accent1">
+                <a:shade val="50000"/>
+              </a:schemeClr>
+            </a:lnRef>
+            <a:fillRef idx="1">
+              <a:schemeClr val="accent1"/>
+            </a:fillRef>
+            <a:effectRef idx="0">
+              <a:schemeClr val="accent1"/>
+            </a:effectRef>
+            <a:fontRef idx="minor">
+              <a:schemeClr val="lt1"/>
+            </a:fontRef>
+          </p:style>
+          <p:txBody>
+            <a:bodyPr rtlCol="0" anchor="ctr"/>
+            <a:lstStyle/>
+            <a:p>
+              <a:pPr algn="ctr"/>
+              <a:endParaRPr lang="en-IN"/>
+            </a:p>
+          </p:txBody>
+        </p:sp>
+        <p:grpSp>
+          <p:nvGrpSpPr>
+            <p:cNvPr id="100" name="Group 99">
+              <a:extLst>
+                <a:ext uri="{FF2B5EF4-FFF2-40B4-BE49-F238E27FC236}">
+                  <a16:creationId xmlns:a16="http://schemas.microsoft.com/office/drawing/2014/main" id="{F6FAB2B6-7A87-4BD5-979D-2C7DF1A51EE6}"/>
+                </a:ext>
+              </a:extLst>
+            </p:cNvPr>
+            <p:cNvGrpSpPr/>
+            <p:nvPr/>
+          </p:nvGrpSpPr>
+          <p:grpSpPr>
+            <a:xfrm>
+              <a:off x="7176084" y="730599"/>
+              <a:ext cx="4693327" cy="3426833"/>
+              <a:chOff x="3923929" y="976544"/>
+              <a:chExt cx="5527830" cy="4145923"/>
+            </a:xfrm>
+          </p:grpSpPr>
+          <p:sp>
+            <p:nvSpPr>
+              <p:cNvPr id="101" name="Rectangle 100">
+                <a:extLst>
+                  <a:ext uri="{FF2B5EF4-FFF2-40B4-BE49-F238E27FC236}">
+                    <a16:creationId xmlns:a16="http://schemas.microsoft.com/office/drawing/2014/main" id="{E9BBD185-8CA8-4311-A12B-8954F6B1279A}"/>
+                  </a:ext>
+                </a:extLst>
+              </p:cNvPr>
+              <p:cNvSpPr/>
+              <p:nvPr/>
+            </p:nvSpPr>
+            <p:spPr>
+              <a:xfrm>
+                <a:off x="3923929" y="4199137"/>
+                <a:ext cx="5527829" cy="923330"/>
+              </a:xfrm>
+              <a:prstGeom prst="rect">
+                <a:avLst/>
+              </a:prstGeom>
+              <a:solidFill>
+                <a:srgbClr val="92D050"/>
+              </a:solidFill>
+            </p:spPr>
+            <p:style>
+              <a:lnRef idx="2">
+                <a:schemeClr val="accent1">
+                  <a:shade val="50000"/>
+                </a:schemeClr>
+              </a:lnRef>
+              <a:fillRef idx="1">
+                <a:schemeClr val="accent1"/>
+              </a:fillRef>
+              <a:effectRef idx="0">
+                <a:schemeClr val="accent1"/>
+              </a:effectRef>
+              <a:fontRef idx="minor">
+                <a:schemeClr val="lt1"/>
+              </a:fontRef>
+            </p:style>
+            <p:txBody>
+              <a:bodyPr rtlCol="0" anchor="ctr"/>
+              <a:lstStyle/>
+              <a:p>
+                <a:pPr algn="ctr"/>
+                <a:r>
+                  <a:rPr lang="en-IN" sz="1400" dirty="0">
+                    <a:solidFill>
+                      <a:schemeClr val="tx1"/>
+                    </a:solidFill>
+                  </a:rPr>
+                  <a:t>Hardware</a:t>
+                </a:r>
+              </a:p>
+            </p:txBody>
+          </p:sp>
+          <p:sp>
+            <p:nvSpPr>
+              <p:cNvPr id="102" name="Rectangle 101">
+                <a:extLst>
+                  <a:ext uri="{FF2B5EF4-FFF2-40B4-BE49-F238E27FC236}">
+                    <a16:creationId xmlns:a16="http://schemas.microsoft.com/office/drawing/2014/main" id="{E7295259-6A46-4033-9A15-338412248BA8}"/>
+                  </a:ext>
+                </a:extLst>
+              </p:cNvPr>
+              <p:cNvSpPr/>
+              <p:nvPr/>
+            </p:nvSpPr>
+            <p:spPr>
+              <a:xfrm>
+                <a:off x="7430609" y="4449931"/>
+                <a:ext cx="1526959" cy="408373"/>
+              </a:xfrm>
+              <a:prstGeom prst="rect">
+                <a:avLst/>
+              </a:prstGeom>
+            </p:spPr>
+            <p:style>
+              <a:lnRef idx="2">
+                <a:schemeClr val="accent4">
+                  <a:shade val="50000"/>
+                </a:schemeClr>
+              </a:lnRef>
+              <a:fillRef idx="1">
+                <a:schemeClr val="accent4"/>
+              </a:fillRef>
+              <a:effectRef idx="0">
+                <a:schemeClr val="accent4"/>
+              </a:effectRef>
+              <a:fontRef idx="minor">
+                <a:schemeClr val="lt1"/>
+              </a:fontRef>
+            </p:style>
+            <p:txBody>
+              <a:bodyPr rtlCol="0" anchor="ctr"/>
+              <a:lstStyle/>
+              <a:p>
+                <a:pPr algn="ctr"/>
+                <a:r>
+                  <a:rPr lang="en-IN" sz="1400" dirty="0">
+                    <a:solidFill>
+                      <a:schemeClr val="tx1"/>
+                    </a:solidFill>
+                  </a:rPr>
+                  <a:t>Physical NIC</a:t>
+                </a:r>
+              </a:p>
+            </p:txBody>
+          </p:sp>
+          <p:sp>
+            <p:nvSpPr>
+              <p:cNvPr id="103" name="Rectangle 102">
+                <a:extLst>
+                  <a:ext uri="{FF2B5EF4-FFF2-40B4-BE49-F238E27FC236}">
+                    <a16:creationId xmlns:a16="http://schemas.microsoft.com/office/drawing/2014/main" id="{6CBF0341-6E38-4D62-BC31-BAB5DA3B5361}"/>
+                  </a:ext>
+                </a:extLst>
+              </p:cNvPr>
+              <p:cNvSpPr/>
+              <p:nvPr/>
+            </p:nvSpPr>
+            <p:spPr>
+              <a:xfrm>
+                <a:off x="3923929" y="2450236"/>
+                <a:ext cx="5527830" cy="1757779"/>
+              </a:xfrm>
+              <a:prstGeom prst="rect">
+                <a:avLst/>
+              </a:prstGeom>
+              <a:solidFill>
+                <a:srgbClr val="FFFF00"/>
+              </a:solidFill>
+            </p:spPr>
+            <p:style>
+              <a:lnRef idx="2">
+                <a:schemeClr val="accent6">
+                  <a:shade val="50000"/>
+                </a:schemeClr>
+              </a:lnRef>
+              <a:fillRef idx="1">
+                <a:schemeClr val="accent6"/>
+              </a:fillRef>
+              <a:effectRef idx="0">
+                <a:schemeClr val="accent6"/>
+              </a:effectRef>
+              <a:fontRef idx="minor">
+                <a:schemeClr val="lt1"/>
+              </a:fontRef>
+            </p:style>
+            <p:txBody>
+              <a:bodyPr rtlCol="0" anchor="ctr"/>
+              <a:lstStyle/>
+              <a:p>
+                <a:pPr algn="ctr"/>
+                <a:endParaRPr lang="en-IN" sz="1400"/>
+              </a:p>
+            </p:txBody>
+          </p:sp>
+          <p:sp>
+            <p:nvSpPr>
+              <p:cNvPr id="104" name="Rectangle 103">
+                <a:extLst>
+                  <a:ext uri="{FF2B5EF4-FFF2-40B4-BE49-F238E27FC236}">
+                    <a16:creationId xmlns:a16="http://schemas.microsoft.com/office/drawing/2014/main" id="{DFF67358-C8FE-45E9-B902-E8355DFE4392}"/>
+                  </a:ext>
+                </a:extLst>
+              </p:cNvPr>
+              <p:cNvSpPr/>
+              <p:nvPr/>
+            </p:nvSpPr>
+            <p:spPr>
+              <a:xfrm>
+                <a:off x="5690586" y="2658863"/>
+                <a:ext cx="2752078" cy="1318333"/>
+              </a:xfrm>
+              <a:prstGeom prst="rect">
+                <a:avLst/>
+              </a:prstGeom>
+              <a:solidFill>
+                <a:srgbClr val="92D050"/>
+              </a:solidFill>
+            </p:spPr>
+            <p:style>
+              <a:lnRef idx="2">
+                <a:schemeClr val="accent2">
+                  <a:shade val="50000"/>
+                </a:schemeClr>
+              </a:lnRef>
+              <a:fillRef idx="1">
+                <a:schemeClr val="accent2"/>
+              </a:fillRef>
+              <a:effectRef idx="0">
+                <a:schemeClr val="accent2"/>
+              </a:effectRef>
+              <a:fontRef idx="minor">
+                <a:schemeClr val="lt1"/>
+              </a:fontRef>
+            </p:style>
+            <p:txBody>
+              <a:bodyPr rtlCol="0" anchor="ctr"/>
+              <a:lstStyle/>
+              <a:p>
+                <a:pPr algn="ctr"/>
+                <a:endParaRPr lang="en-IN" sz="1400"/>
+              </a:p>
+            </p:txBody>
+          </p:sp>
+          <p:sp>
+            <p:nvSpPr>
+              <p:cNvPr id="105" name="TextBox 104">
+                <a:extLst>
+                  <a:ext uri="{FF2B5EF4-FFF2-40B4-BE49-F238E27FC236}">
+                    <a16:creationId xmlns:a16="http://schemas.microsoft.com/office/drawing/2014/main" id="{7CD3396C-B1AC-46F3-B920-1878DCE4619B}"/>
+                  </a:ext>
+                </a:extLst>
+              </p:cNvPr>
+              <p:cNvSpPr txBox="1"/>
+              <p:nvPr/>
+            </p:nvSpPr>
+            <p:spPr>
+              <a:xfrm>
+                <a:off x="4225771" y="2885189"/>
+                <a:ext cx="1438182" cy="893666"/>
+              </a:xfrm>
+              <a:prstGeom prst="rect">
+                <a:avLst/>
+              </a:prstGeom>
+              <a:noFill/>
+            </p:spPr>
+            <p:txBody>
+              <a:bodyPr wrap="square" rtlCol="0">
+                <a:spAutoFit/>
+              </a:bodyPr>
+              <a:lstStyle/>
+              <a:p>
+                <a:r>
+                  <a:rPr lang="en-IN" sz="1400" dirty="0"/>
+                  <a:t>Host OS, VMDriver &amp; VMApp</a:t>
+                </a:r>
+              </a:p>
+            </p:txBody>
+          </p:sp>
+          <p:sp>
+            <p:nvSpPr>
+              <p:cNvPr id="106" name="Rectangle 105">
+                <a:extLst>
+                  <a:ext uri="{FF2B5EF4-FFF2-40B4-BE49-F238E27FC236}">
+                    <a16:creationId xmlns:a16="http://schemas.microsoft.com/office/drawing/2014/main" id="{10BFAD09-BEA0-4BEA-90E4-F17D660421E4}"/>
+                  </a:ext>
+                </a:extLst>
+              </p:cNvPr>
+              <p:cNvSpPr/>
+              <p:nvPr/>
+            </p:nvSpPr>
+            <p:spPr>
+              <a:xfrm>
+                <a:off x="7341833" y="3318029"/>
+                <a:ext cx="923278" cy="490491"/>
+              </a:xfrm>
+              <a:prstGeom prst="rect">
+                <a:avLst/>
+              </a:prstGeom>
+            </p:spPr>
+            <p:style>
+              <a:lnRef idx="2">
+                <a:schemeClr val="accent3">
+                  <a:shade val="50000"/>
+                </a:schemeClr>
+              </a:lnRef>
+              <a:fillRef idx="1">
+                <a:schemeClr val="accent3"/>
+              </a:fillRef>
+              <a:effectRef idx="0">
+                <a:schemeClr val="accent3"/>
+              </a:effectRef>
+              <a:fontRef idx="minor">
+                <a:schemeClr val="lt1"/>
+              </a:fontRef>
+            </p:style>
+            <p:txBody>
+              <a:bodyPr rtlCol="0" anchor="ctr"/>
+              <a:lstStyle/>
+              <a:p>
+                <a:pPr algn="ctr"/>
+                <a:r>
+                  <a:rPr lang="en-IN" sz="1400" dirty="0">
+                    <a:solidFill>
+                      <a:schemeClr val="tx1"/>
+                    </a:solidFill>
+                  </a:rPr>
+                  <a:t>Virtual Bridge</a:t>
+                </a:r>
+              </a:p>
+            </p:txBody>
+          </p:sp>
+          <p:sp>
+            <p:nvSpPr>
+              <p:cNvPr id="107" name="Rectangle 106">
+                <a:extLst>
+                  <a:ext uri="{FF2B5EF4-FFF2-40B4-BE49-F238E27FC236}">
+                    <a16:creationId xmlns:a16="http://schemas.microsoft.com/office/drawing/2014/main" id="{0E8B4F61-BAFC-4E88-A39F-9C2DAFA36EB0}"/>
+                  </a:ext>
+                </a:extLst>
+              </p:cNvPr>
+              <p:cNvSpPr/>
+              <p:nvPr/>
+            </p:nvSpPr>
+            <p:spPr>
+              <a:xfrm>
+                <a:off x="5803038" y="2764284"/>
+                <a:ext cx="1503285" cy="490491"/>
+              </a:xfrm>
+              <a:prstGeom prst="rect">
+                <a:avLst/>
+              </a:prstGeom>
+            </p:spPr>
+            <p:style>
+              <a:lnRef idx="2">
+                <a:schemeClr val="accent3">
+                  <a:shade val="50000"/>
+                </a:schemeClr>
+              </a:lnRef>
+              <a:fillRef idx="1">
+                <a:schemeClr val="accent3"/>
+              </a:fillRef>
+              <a:effectRef idx="0">
+                <a:schemeClr val="accent3"/>
+              </a:effectRef>
+              <a:fontRef idx="minor">
+                <a:schemeClr val="lt1"/>
+              </a:fontRef>
+            </p:style>
+            <p:txBody>
+              <a:bodyPr rtlCol="0" anchor="ctr"/>
+              <a:lstStyle/>
+              <a:p>
+                <a:pPr algn="ctr"/>
+                <a:r>
+                  <a:rPr lang="en-IN" sz="1400" dirty="0">
+                    <a:solidFill>
+                      <a:schemeClr val="tx1"/>
+                    </a:solidFill>
+                  </a:rPr>
+                  <a:t>Virtual Network Hub</a:t>
+                </a:r>
+              </a:p>
+            </p:txBody>
+          </p:sp>
+          <p:sp>
+            <p:nvSpPr>
+              <p:cNvPr id="108" name="TextBox 107">
+                <a:extLst>
+                  <a:ext uri="{FF2B5EF4-FFF2-40B4-BE49-F238E27FC236}">
+                    <a16:creationId xmlns:a16="http://schemas.microsoft.com/office/drawing/2014/main" id="{60943576-25F8-4A4B-A5D1-118A86EE8391}"/>
+                  </a:ext>
+                </a:extLst>
+              </p:cNvPr>
+              <p:cNvSpPr txBox="1"/>
+              <p:nvPr/>
+            </p:nvSpPr>
+            <p:spPr>
+              <a:xfrm>
+                <a:off x="5814873" y="3489552"/>
+                <a:ext cx="1526959" cy="372361"/>
+              </a:xfrm>
+              <a:prstGeom prst="rect">
+                <a:avLst/>
+              </a:prstGeom>
+              <a:noFill/>
+            </p:spPr>
+            <p:txBody>
+              <a:bodyPr wrap="square" rtlCol="0">
+                <a:spAutoFit/>
+              </a:bodyPr>
+              <a:lstStyle/>
+              <a:p>
+                <a:r>
+                  <a:rPr lang="en-IN" sz="1400" dirty="0"/>
+                  <a:t>VMNet Driver</a:t>
+                </a:r>
+              </a:p>
+            </p:txBody>
+          </p:sp>
+          <p:cxnSp>
+            <p:nvCxnSpPr>
+              <p:cNvPr id="109" name="Straight Connector 108">
+                <a:extLst>
+                  <a:ext uri="{FF2B5EF4-FFF2-40B4-BE49-F238E27FC236}">
+                    <a16:creationId xmlns:a16="http://schemas.microsoft.com/office/drawing/2014/main" id="{E0799AFC-5400-4027-9595-BE5C3FC9153A}"/>
+                  </a:ext>
+                </a:extLst>
+              </p:cNvPr>
+              <p:cNvCxnSpPr>
+                <a:cxnSpLocks/>
+                <a:stCxn id="106" idx="2"/>
+              </p:cNvCxnSpPr>
+              <p:nvPr/>
+            </p:nvCxnSpPr>
+            <p:spPr>
+              <a:xfrm>
+                <a:off x="7803472" y="3808520"/>
+                <a:ext cx="0" cy="641411"/>
+              </a:xfrm>
+              <a:prstGeom prst="line">
+                <a:avLst/>
+              </a:prstGeom>
+              <a:ln w="28575"/>
+            </p:spPr>
+            <p:style>
+              <a:lnRef idx="1">
+                <a:schemeClr val="dk1"/>
+              </a:lnRef>
+              <a:fillRef idx="0">
+                <a:schemeClr val="dk1"/>
+              </a:fillRef>
+              <a:effectRef idx="0">
+                <a:schemeClr val="dk1"/>
+              </a:effectRef>
+              <a:fontRef idx="minor">
+                <a:schemeClr val="tx1"/>
+              </a:fontRef>
+            </p:style>
+          </p:cxnSp>
+          <p:sp>
+            <p:nvSpPr>
+              <p:cNvPr id="110" name="Rectangle 109">
+                <a:extLst>
+                  <a:ext uri="{FF2B5EF4-FFF2-40B4-BE49-F238E27FC236}">
+                    <a16:creationId xmlns:a16="http://schemas.microsoft.com/office/drawing/2014/main" id="{1FE52E94-2ECE-4E55-9CDC-51503D58931F}"/>
+                  </a:ext>
+                </a:extLst>
+              </p:cNvPr>
+              <p:cNvSpPr/>
+              <p:nvPr/>
+            </p:nvSpPr>
+            <p:spPr>
+              <a:xfrm>
+                <a:off x="5903650" y="1727815"/>
+                <a:ext cx="1704513" cy="709107"/>
+              </a:xfrm>
+              <a:prstGeom prst="rect">
+                <a:avLst/>
+              </a:prstGeom>
+              <a:solidFill>
+                <a:srgbClr val="92D050"/>
+              </a:solidFill>
+            </p:spPr>
+            <p:style>
+              <a:lnRef idx="2">
+                <a:schemeClr val="accent2">
+                  <a:shade val="50000"/>
+                </a:schemeClr>
+              </a:lnRef>
+              <a:fillRef idx="1">
+                <a:schemeClr val="accent2"/>
+              </a:fillRef>
+              <a:effectRef idx="0">
+                <a:schemeClr val="accent2"/>
+              </a:effectRef>
+              <a:fontRef idx="minor">
+                <a:schemeClr val="lt1"/>
+              </a:fontRef>
+            </p:style>
+            <p:txBody>
+              <a:bodyPr rtlCol="0" anchor="ctr"/>
+              <a:lstStyle/>
+              <a:p>
+                <a:pPr algn="ctr"/>
+                <a:endParaRPr lang="en-IN" sz="1400"/>
+              </a:p>
+            </p:txBody>
+          </p:sp>
+          <p:sp>
+            <p:nvSpPr>
+              <p:cNvPr id="111" name="Rectangle 110">
+                <a:extLst>
+                  <a:ext uri="{FF2B5EF4-FFF2-40B4-BE49-F238E27FC236}">
+                    <a16:creationId xmlns:a16="http://schemas.microsoft.com/office/drawing/2014/main" id="{9F30E155-5309-41AB-B129-8DB2457FD054}"/>
+                  </a:ext>
+                </a:extLst>
+              </p:cNvPr>
+              <p:cNvSpPr/>
+              <p:nvPr/>
+            </p:nvSpPr>
+            <p:spPr>
+              <a:xfrm>
+                <a:off x="6149267" y="1744149"/>
+                <a:ext cx="1207363" cy="490491"/>
+              </a:xfrm>
+              <a:prstGeom prst="rect">
+                <a:avLst/>
+              </a:prstGeom>
+            </p:spPr>
+            <p:style>
+              <a:lnRef idx="2">
+                <a:schemeClr val="accent3">
+                  <a:shade val="50000"/>
+                </a:schemeClr>
+              </a:lnRef>
+              <a:fillRef idx="1">
+                <a:schemeClr val="accent3"/>
+              </a:fillRef>
+              <a:effectRef idx="0">
+                <a:schemeClr val="accent3"/>
+              </a:effectRef>
+              <a:fontRef idx="minor">
+                <a:schemeClr val="lt1"/>
+              </a:fontRef>
+            </p:style>
+            <p:txBody>
+              <a:bodyPr rtlCol="0" anchor="ctr"/>
+              <a:lstStyle/>
+              <a:p>
+                <a:pPr algn="ctr"/>
+                <a:r>
+                  <a:rPr lang="en-IN" sz="1400" dirty="0">
+                    <a:solidFill>
+                      <a:schemeClr val="tx1"/>
+                    </a:solidFill>
+                  </a:rPr>
+                  <a:t>Virtual NIC</a:t>
+                </a:r>
+              </a:p>
+            </p:txBody>
+          </p:sp>
+          <p:sp>
+            <p:nvSpPr>
+              <p:cNvPr id="112" name="Rectangle 111">
+                <a:extLst>
+                  <a:ext uri="{FF2B5EF4-FFF2-40B4-BE49-F238E27FC236}">
+                    <a16:creationId xmlns:a16="http://schemas.microsoft.com/office/drawing/2014/main" id="{04480BF4-0165-44F5-86C8-91998E814AAF}"/>
+                  </a:ext>
+                </a:extLst>
+              </p:cNvPr>
+              <p:cNvSpPr/>
+              <p:nvPr/>
+            </p:nvSpPr>
+            <p:spPr>
+              <a:xfrm>
+                <a:off x="6383045" y="976544"/>
+                <a:ext cx="683580" cy="767605"/>
+              </a:xfrm>
+              <a:prstGeom prst="rect">
+                <a:avLst/>
+              </a:prstGeom>
+            </p:spPr>
+            <p:style>
+              <a:lnRef idx="2">
+                <a:schemeClr val="dk1">
+                  <a:shade val="50000"/>
+                </a:schemeClr>
+              </a:lnRef>
+              <a:fillRef idx="1">
+                <a:schemeClr val="dk1"/>
+              </a:fillRef>
+              <a:effectRef idx="0">
+                <a:schemeClr val="dk1"/>
+              </a:effectRef>
+              <a:fontRef idx="minor">
+                <a:schemeClr val="lt1"/>
+              </a:fontRef>
+            </p:style>
+            <p:txBody>
+              <a:bodyPr rtlCol="0" anchor="ctr"/>
+              <a:lstStyle/>
+              <a:p>
+                <a:pPr algn="ctr"/>
+                <a:r>
+                  <a:rPr lang="en-IN" sz="1400" dirty="0"/>
+                  <a:t>VM</a:t>
+                </a:r>
+              </a:p>
+            </p:txBody>
+          </p:sp>
+          <p:sp>
+            <p:nvSpPr>
+              <p:cNvPr id="113" name="TextBox 112">
+                <a:extLst>
+                  <a:ext uri="{FF2B5EF4-FFF2-40B4-BE49-F238E27FC236}">
+                    <a16:creationId xmlns:a16="http://schemas.microsoft.com/office/drawing/2014/main" id="{6B82A39C-3170-4F48-BA49-BEC3BAD45B50}"/>
+                  </a:ext>
+                </a:extLst>
+              </p:cNvPr>
+              <p:cNvSpPr txBox="1"/>
+              <p:nvPr/>
+            </p:nvSpPr>
+            <p:spPr>
+              <a:xfrm>
+                <a:off x="5989468" y="2168731"/>
+                <a:ext cx="1526959" cy="372361"/>
+              </a:xfrm>
+              <a:prstGeom prst="rect">
+                <a:avLst/>
+              </a:prstGeom>
+              <a:noFill/>
+            </p:spPr>
+            <p:txBody>
+              <a:bodyPr wrap="square" rtlCol="0">
+                <a:spAutoFit/>
+              </a:bodyPr>
+              <a:lstStyle/>
+              <a:p>
+                <a:pPr algn="ctr"/>
+                <a:r>
+                  <a:rPr lang="en-IN" sz="1400" dirty="0"/>
+                  <a:t>VMM</a:t>
+                </a:r>
+              </a:p>
+            </p:txBody>
+          </p:sp>
+          <p:cxnSp>
+            <p:nvCxnSpPr>
+              <p:cNvPr id="114" name="Straight Connector 113">
+                <a:extLst>
+                  <a:ext uri="{FF2B5EF4-FFF2-40B4-BE49-F238E27FC236}">
+                    <a16:creationId xmlns:a16="http://schemas.microsoft.com/office/drawing/2014/main" id="{02363FAE-D5BE-460A-B025-58EDB64E1D08}"/>
+                  </a:ext>
+                </a:extLst>
+              </p:cNvPr>
+              <p:cNvCxnSpPr>
+                <a:cxnSpLocks/>
+                <a:stCxn id="111" idx="1"/>
+              </p:cNvCxnSpPr>
+              <p:nvPr/>
+            </p:nvCxnSpPr>
+            <p:spPr>
+              <a:xfrm>
+                <a:off x="6149267" y="1989395"/>
+                <a:ext cx="0" cy="774889"/>
+              </a:xfrm>
+              <a:prstGeom prst="line">
+                <a:avLst/>
+              </a:prstGeom>
+              <a:ln w="28575"/>
+            </p:spPr>
+            <p:style>
+              <a:lnRef idx="1">
+                <a:schemeClr val="dk1"/>
+              </a:lnRef>
+              <a:fillRef idx="0">
+                <a:schemeClr val="dk1"/>
+              </a:fillRef>
+              <a:effectRef idx="0">
+                <a:schemeClr val="dk1"/>
+              </a:effectRef>
+              <a:fontRef idx="minor">
+                <a:schemeClr val="tx1"/>
+              </a:fontRef>
+            </p:style>
+          </p:cxnSp>
+          <p:cxnSp>
+            <p:nvCxnSpPr>
+              <p:cNvPr id="115" name="Straight Connector 114">
+                <a:extLst>
+                  <a:ext uri="{FF2B5EF4-FFF2-40B4-BE49-F238E27FC236}">
+                    <a16:creationId xmlns:a16="http://schemas.microsoft.com/office/drawing/2014/main" id="{3E0C5CF8-4977-4A9D-90A7-34D377A24608}"/>
+                  </a:ext>
+                </a:extLst>
+              </p:cNvPr>
+              <p:cNvCxnSpPr>
+                <a:cxnSpLocks/>
+                <a:stCxn id="107" idx="3"/>
+                <a:endCxn id="106" idx="0"/>
+              </p:cNvCxnSpPr>
+              <p:nvPr/>
+            </p:nvCxnSpPr>
+            <p:spPr>
+              <a:xfrm>
+                <a:off x="7306323" y="3009530"/>
+                <a:ext cx="497149" cy="308499"/>
+              </a:xfrm>
+              <a:prstGeom prst="line">
+                <a:avLst/>
+              </a:prstGeom>
+              <a:ln w="28575"/>
+            </p:spPr>
+            <p:style>
+              <a:lnRef idx="1">
+                <a:schemeClr val="dk1"/>
+              </a:lnRef>
+              <a:fillRef idx="0">
+                <a:schemeClr val="dk1"/>
+              </a:fillRef>
+              <a:effectRef idx="0">
+                <a:schemeClr val="dk1"/>
+              </a:effectRef>
+              <a:fontRef idx="minor">
+                <a:schemeClr val="tx1"/>
+              </a:fontRef>
+            </p:style>
+          </p:cxnSp>
+        </p:grpSp>
+        <p:sp>
+          <p:nvSpPr>
+            <p:cNvPr id="116" name="TextBox 115">
+              <a:extLst>
+                <a:ext uri="{FF2B5EF4-FFF2-40B4-BE49-F238E27FC236}">
+                  <a16:creationId xmlns:a16="http://schemas.microsoft.com/office/drawing/2014/main" id="{BB218793-98C5-4321-AF41-AFD934725BAB}"/>
+                </a:ext>
+              </a:extLst>
+            </p:cNvPr>
+            <p:cNvSpPr txBox="1"/>
+            <p:nvPr/>
+          </p:nvSpPr>
+          <p:spPr>
+            <a:xfrm>
+              <a:off x="8732487" y="4320610"/>
+              <a:ext cx="1796420" cy="369332"/>
+            </a:xfrm>
+            <a:prstGeom prst="rect">
+              <a:avLst/>
+            </a:prstGeom>
+            <a:noFill/>
+          </p:spPr>
+          <p:txBody>
+            <a:bodyPr wrap="square" rtlCol="0">
+              <a:spAutoFit/>
+            </a:bodyPr>
+            <a:lstStyle/>
+            <a:p>
+              <a:r>
+                <a:rPr lang="en-IN" dirty="0"/>
+                <a:t>High Level View</a:t>
+              </a:r>
+            </a:p>
+          </p:txBody>
+        </p:sp>
+      </p:grpSp>
+    </p:spTree>
+    <p:extLst>
+      <p:ext uri="{BB962C8B-B14F-4D97-AF65-F5344CB8AC3E}">
+        <p14:creationId xmlns:p14="http://schemas.microsoft.com/office/powerpoint/2010/main" val="2817401587"/>
+      </p:ext>
+    </p:extLst>
+  </p:cSld>
+  <p:clrMapOvr>
+    <a:masterClrMapping/>
+  </p:clrMapOvr>
+</p:sld>
+</file>
+
+<file path=ppt/slides/slide4.xml><?xml version="1.0" encoding="utf-8"?>
+<p:sld xmlns:a="http://schemas.openxmlformats.org/drawingml/2006/main" xmlns:r="http://schemas.openxmlformats.org/officeDocument/2006/relationships" xmlns:p="http://schemas.openxmlformats.org/presentationml/2006/main">
+  <p:cSld>
+    <p:spTree>
+      <p:nvGrpSpPr>
+        <p:cNvPr id="1" name=""/>
+        <p:cNvGrpSpPr/>
+        <p:nvPr/>
+      </p:nvGrpSpPr>
+      <p:grpSpPr>
+        <a:xfrm>
+          <a:off x="0" y="0"/>
+          <a:ext cx="0" cy="0"/>
+          <a:chOff x="0" y="0"/>
+          <a:chExt cx="0" cy="0"/>
+        </a:xfrm>
+      </p:grpSpPr>
+      <p:grpSp>
+        <p:nvGrpSpPr>
+          <p:cNvPr id="26" name="Group 25">
+            <a:extLst>
+              <a:ext uri="{FF2B5EF4-FFF2-40B4-BE49-F238E27FC236}">
+                <a16:creationId xmlns:a16="http://schemas.microsoft.com/office/drawing/2014/main" id="{F44601F8-42D1-4DDE-8251-7A9F8A8084EA}"/>
+              </a:ext>
+            </a:extLst>
+          </p:cNvPr>
+          <p:cNvGrpSpPr/>
+          <p:nvPr/>
+        </p:nvGrpSpPr>
+        <p:grpSpPr>
+          <a:xfrm>
+            <a:off x="4758431" y="1695634"/>
+            <a:ext cx="4693327" cy="3426833"/>
+            <a:chOff x="3923929" y="976544"/>
+            <a:chExt cx="5527830" cy="4145923"/>
+          </a:xfrm>
+        </p:grpSpPr>
+        <p:sp>
+          <p:nvSpPr>
+            <p:cNvPr id="4" name="Rectangle 3">
+              <a:extLst>
+                <a:ext uri="{FF2B5EF4-FFF2-40B4-BE49-F238E27FC236}">
+                  <a16:creationId xmlns:a16="http://schemas.microsoft.com/office/drawing/2014/main" id="{0308A2DA-2D7D-4654-8291-875E0637DD4A}"/>
+                </a:ext>
+              </a:extLst>
+            </p:cNvPr>
+            <p:cNvSpPr/>
+            <p:nvPr/>
+          </p:nvSpPr>
+          <p:spPr>
+            <a:xfrm>
+              <a:off x="3923929" y="4199137"/>
+              <a:ext cx="5527829" cy="923330"/>
+            </a:xfrm>
+            <a:prstGeom prst="rect">
+              <a:avLst/>
+            </a:prstGeom>
+          </p:spPr>
+          <p:style>
+            <a:lnRef idx="2">
+              <a:schemeClr val="accent1">
+                <a:shade val="50000"/>
+              </a:schemeClr>
+            </a:lnRef>
+            <a:fillRef idx="1">
+              <a:schemeClr val="accent1"/>
+            </a:fillRef>
+            <a:effectRef idx="0">
+              <a:schemeClr val="accent1"/>
+            </a:effectRef>
+            <a:fontRef idx="minor">
+              <a:schemeClr val="lt1"/>
+            </a:fontRef>
+          </p:style>
+          <p:txBody>
+            <a:bodyPr rtlCol="0" anchor="ctr"/>
+            <a:lstStyle/>
+            <a:p>
+              <a:pPr algn="ctr"/>
+              <a:r>
+                <a:rPr lang="en-IN" sz="1000" dirty="0"/>
+                <a:t>Hardware</a:t>
+              </a:r>
+            </a:p>
+          </p:txBody>
+        </p:sp>
+        <p:sp>
+          <p:nvSpPr>
+            <p:cNvPr id="5" name="Rectangle 4">
+              <a:extLst>
+                <a:ext uri="{FF2B5EF4-FFF2-40B4-BE49-F238E27FC236}">
+                  <a16:creationId xmlns:a16="http://schemas.microsoft.com/office/drawing/2014/main" id="{BE9AA683-1BE3-4BDD-955C-B249F32B7D1C}"/>
+                </a:ext>
+              </a:extLst>
+            </p:cNvPr>
+            <p:cNvSpPr/>
+            <p:nvPr/>
+          </p:nvSpPr>
+          <p:spPr>
+            <a:xfrm>
+              <a:off x="7430609" y="4449931"/>
+              <a:ext cx="1526959" cy="408373"/>
+            </a:xfrm>
+            <a:prstGeom prst="rect">
+              <a:avLst/>
+            </a:prstGeom>
+          </p:spPr>
+          <p:style>
+            <a:lnRef idx="2">
+              <a:schemeClr val="accent4">
+                <a:shade val="50000"/>
+              </a:schemeClr>
+            </a:lnRef>
+            <a:fillRef idx="1">
+              <a:schemeClr val="accent4"/>
+            </a:fillRef>
+            <a:effectRef idx="0">
+              <a:schemeClr val="accent4"/>
+            </a:effectRef>
+            <a:fontRef idx="minor">
+              <a:schemeClr val="lt1"/>
+            </a:fontRef>
+          </p:style>
+          <p:txBody>
+            <a:bodyPr rtlCol="0" anchor="ctr"/>
+            <a:lstStyle/>
+            <a:p>
+              <a:pPr algn="ctr"/>
+              <a:r>
+                <a:rPr lang="en-IN" sz="1000" dirty="0">
+                  <a:solidFill>
+                    <a:schemeClr val="tx1"/>
+                  </a:solidFill>
+                </a:rPr>
+                <a:t>Physical NIC</a:t>
+              </a:r>
+            </a:p>
+          </p:txBody>
+        </p:sp>
+        <p:sp>
+          <p:nvSpPr>
+            <p:cNvPr id="6" name="Rectangle 5">
+              <a:extLst>
+                <a:ext uri="{FF2B5EF4-FFF2-40B4-BE49-F238E27FC236}">
+                  <a16:creationId xmlns:a16="http://schemas.microsoft.com/office/drawing/2014/main" id="{44CE6BC6-24A2-40B8-98B0-04964E911A6C}"/>
+                </a:ext>
+              </a:extLst>
+            </p:cNvPr>
+            <p:cNvSpPr/>
+            <p:nvPr/>
+          </p:nvSpPr>
+          <p:spPr>
+            <a:xfrm>
+              <a:off x="3923929" y="2450236"/>
+              <a:ext cx="5527830" cy="1757779"/>
+            </a:xfrm>
+            <a:prstGeom prst="rect">
+              <a:avLst/>
+            </a:prstGeom>
+          </p:spPr>
+          <p:style>
+            <a:lnRef idx="2">
+              <a:schemeClr val="accent6">
+                <a:shade val="50000"/>
+              </a:schemeClr>
+            </a:lnRef>
+            <a:fillRef idx="1">
+              <a:schemeClr val="accent6"/>
+            </a:fillRef>
+            <a:effectRef idx="0">
+              <a:schemeClr val="accent6"/>
+            </a:effectRef>
+            <a:fontRef idx="minor">
+              <a:schemeClr val="lt1"/>
+            </a:fontRef>
+          </p:style>
+          <p:txBody>
+            <a:bodyPr rtlCol="0" anchor="ctr"/>
+            <a:lstStyle/>
+            <a:p>
+              <a:pPr algn="ctr"/>
+              <a:endParaRPr lang="en-IN" sz="1000"/>
+            </a:p>
+          </p:txBody>
+        </p:sp>
+        <p:sp>
+          <p:nvSpPr>
+            <p:cNvPr id="7" name="Rectangle 6">
+              <a:extLst>
+                <a:ext uri="{FF2B5EF4-FFF2-40B4-BE49-F238E27FC236}">
+                  <a16:creationId xmlns:a16="http://schemas.microsoft.com/office/drawing/2014/main" id="{79E3F102-04E1-484D-84D2-629BB9CBE80A}"/>
+                </a:ext>
+              </a:extLst>
+            </p:cNvPr>
+            <p:cNvSpPr/>
+            <p:nvPr/>
+          </p:nvSpPr>
+          <p:spPr>
+            <a:xfrm>
+              <a:off x="5690586" y="2658863"/>
+              <a:ext cx="2752078" cy="1318333"/>
+            </a:xfrm>
+            <a:prstGeom prst="rect">
+              <a:avLst/>
+            </a:prstGeom>
+          </p:spPr>
+          <p:style>
+            <a:lnRef idx="2">
+              <a:schemeClr val="accent2">
+                <a:shade val="50000"/>
+              </a:schemeClr>
+            </a:lnRef>
+            <a:fillRef idx="1">
+              <a:schemeClr val="accent2"/>
+            </a:fillRef>
+            <a:effectRef idx="0">
+              <a:schemeClr val="accent2"/>
+            </a:effectRef>
+            <a:fontRef idx="minor">
+              <a:schemeClr val="lt1"/>
+            </a:fontRef>
+          </p:style>
+          <p:txBody>
+            <a:bodyPr rtlCol="0" anchor="ctr"/>
+            <a:lstStyle/>
+            <a:p>
+              <a:pPr algn="ctr"/>
+              <a:endParaRPr lang="en-IN" sz="1000"/>
+            </a:p>
+          </p:txBody>
+        </p:sp>
+        <p:sp>
+          <p:nvSpPr>
+            <p:cNvPr id="8" name="TextBox 7">
+              <a:extLst>
+                <a:ext uri="{FF2B5EF4-FFF2-40B4-BE49-F238E27FC236}">
+                  <a16:creationId xmlns:a16="http://schemas.microsoft.com/office/drawing/2014/main" id="{8F03C135-9E60-42B7-B909-A9BC4BCDA039}"/>
+                </a:ext>
+              </a:extLst>
+            </p:cNvPr>
+            <p:cNvSpPr txBox="1"/>
+            <p:nvPr/>
+          </p:nvSpPr>
+          <p:spPr>
+            <a:xfrm>
+              <a:off x="4225771" y="2885189"/>
+              <a:ext cx="1438182" cy="400110"/>
+            </a:xfrm>
+            <a:prstGeom prst="rect">
+              <a:avLst/>
+            </a:prstGeom>
+            <a:noFill/>
+          </p:spPr>
+          <p:txBody>
+            <a:bodyPr wrap="square" rtlCol="0">
+              <a:spAutoFit/>
+            </a:bodyPr>
+            <a:lstStyle/>
+            <a:p>
+              <a:r>
+                <a:rPr lang="en-IN" sz="1000" dirty="0"/>
+                <a:t>Host OS, VMDriver &amp; VMApp</a:t>
+              </a:r>
+            </a:p>
+          </p:txBody>
+        </p:sp>
+        <p:sp>
+          <p:nvSpPr>
+            <p:cNvPr id="9" name="Rectangle 8">
+              <a:extLst>
+                <a:ext uri="{FF2B5EF4-FFF2-40B4-BE49-F238E27FC236}">
+                  <a16:creationId xmlns:a16="http://schemas.microsoft.com/office/drawing/2014/main" id="{6E13F7E8-2669-4656-817E-CF3744E7CFF6}"/>
+                </a:ext>
+              </a:extLst>
+            </p:cNvPr>
+            <p:cNvSpPr/>
+            <p:nvPr/>
+          </p:nvSpPr>
+          <p:spPr>
+            <a:xfrm>
+              <a:off x="7341833" y="3318029"/>
+              <a:ext cx="923278" cy="490491"/>
+            </a:xfrm>
+            <a:prstGeom prst="rect">
+              <a:avLst/>
+            </a:prstGeom>
+          </p:spPr>
+          <p:style>
+            <a:lnRef idx="2">
+              <a:schemeClr val="accent3">
+                <a:shade val="50000"/>
+              </a:schemeClr>
+            </a:lnRef>
+            <a:fillRef idx="1">
+              <a:schemeClr val="accent3"/>
+            </a:fillRef>
+            <a:effectRef idx="0">
+              <a:schemeClr val="accent3"/>
+            </a:effectRef>
+            <a:fontRef idx="minor">
+              <a:schemeClr val="lt1"/>
+            </a:fontRef>
+          </p:style>
+          <p:txBody>
+            <a:bodyPr rtlCol="0" anchor="ctr"/>
+            <a:lstStyle/>
+            <a:p>
+              <a:pPr algn="ctr"/>
+              <a:r>
+                <a:rPr lang="en-IN" sz="1000" dirty="0">
+                  <a:solidFill>
+                    <a:schemeClr val="tx1"/>
+                  </a:solidFill>
+                </a:rPr>
+                <a:t>Virtual Bridge</a:t>
+              </a:r>
+            </a:p>
+          </p:txBody>
+        </p:sp>
+        <p:sp>
+          <p:nvSpPr>
+            <p:cNvPr id="10" name="Rectangle 9">
+              <a:extLst>
+                <a:ext uri="{FF2B5EF4-FFF2-40B4-BE49-F238E27FC236}">
+                  <a16:creationId xmlns:a16="http://schemas.microsoft.com/office/drawing/2014/main" id="{C0737A0C-946C-43C8-9586-1500824024D4}"/>
+                </a:ext>
+              </a:extLst>
+            </p:cNvPr>
+            <p:cNvSpPr/>
+            <p:nvPr/>
+          </p:nvSpPr>
+          <p:spPr>
+            <a:xfrm>
+              <a:off x="5803038" y="2764284"/>
+              <a:ext cx="1503285" cy="490491"/>
+            </a:xfrm>
+            <a:prstGeom prst="rect">
+              <a:avLst/>
+            </a:prstGeom>
+          </p:spPr>
+          <p:style>
+            <a:lnRef idx="2">
+              <a:schemeClr val="accent3">
+                <a:shade val="50000"/>
+              </a:schemeClr>
+            </a:lnRef>
+            <a:fillRef idx="1">
+              <a:schemeClr val="accent3"/>
+            </a:fillRef>
+            <a:effectRef idx="0">
+              <a:schemeClr val="accent3"/>
+            </a:effectRef>
+            <a:fontRef idx="minor">
+              <a:schemeClr val="lt1"/>
+            </a:fontRef>
+          </p:style>
+          <p:txBody>
+            <a:bodyPr rtlCol="0" anchor="ctr"/>
+            <a:lstStyle/>
+            <a:p>
+              <a:pPr algn="ctr"/>
+              <a:r>
+                <a:rPr lang="en-IN" sz="1000" dirty="0">
+                  <a:solidFill>
+                    <a:schemeClr val="tx1"/>
+                  </a:solidFill>
+                </a:rPr>
+                <a:t>Virtual Network Hub</a:t>
+              </a:r>
+            </a:p>
+          </p:txBody>
+        </p:sp>
+        <p:sp>
+          <p:nvSpPr>
+            <p:cNvPr id="11" name="TextBox 10">
+              <a:extLst>
+                <a:ext uri="{FF2B5EF4-FFF2-40B4-BE49-F238E27FC236}">
+                  <a16:creationId xmlns:a16="http://schemas.microsoft.com/office/drawing/2014/main" id="{DBACBFBA-C51A-4266-B85D-84DE59B2FDA1}"/>
+                </a:ext>
+              </a:extLst>
+            </p:cNvPr>
+            <p:cNvSpPr txBox="1"/>
+            <p:nvPr/>
+          </p:nvSpPr>
+          <p:spPr>
+            <a:xfrm>
+              <a:off x="5814874" y="3489552"/>
+              <a:ext cx="1526959" cy="246221"/>
+            </a:xfrm>
+            <a:prstGeom prst="rect">
+              <a:avLst/>
+            </a:prstGeom>
+            <a:noFill/>
+          </p:spPr>
+          <p:txBody>
+            <a:bodyPr wrap="square" rtlCol="0">
+              <a:spAutoFit/>
+            </a:bodyPr>
+            <a:lstStyle/>
+            <a:p>
+              <a:r>
+                <a:rPr lang="en-IN" sz="1000" dirty="0"/>
+                <a:t>VMNet Driver</a:t>
+              </a:r>
+            </a:p>
+          </p:txBody>
+        </p:sp>
+        <p:cxnSp>
+          <p:nvCxnSpPr>
+            <p:cNvPr id="13" name="Straight Connector 12">
+              <a:extLst>
+                <a:ext uri="{FF2B5EF4-FFF2-40B4-BE49-F238E27FC236}">
+                  <a16:creationId xmlns:a16="http://schemas.microsoft.com/office/drawing/2014/main" id="{C77122D6-B2B2-4F3B-B1F5-B21171B7239C}"/>
+                </a:ext>
+              </a:extLst>
+            </p:cNvPr>
+            <p:cNvCxnSpPr>
+              <a:cxnSpLocks/>
+              <a:stCxn id="9" idx="2"/>
+            </p:cNvCxnSpPr>
+            <p:nvPr/>
+          </p:nvCxnSpPr>
+          <p:spPr>
+            <a:xfrm>
+              <a:off x="7803472" y="3808520"/>
+              <a:ext cx="0" cy="641411"/>
+            </a:xfrm>
+            <a:prstGeom prst="line">
+              <a:avLst/>
+            </a:prstGeom>
+            <a:ln w="28575"/>
+          </p:spPr>
+          <p:style>
+            <a:lnRef idx="1">
+              <a:schemeClr val="dk1"/>
+            </a:lnRef>
+            <a:fillRef idx="0">
+              <a:schemeClr val="dk1"/>
+            </a:fillRef>
+            <a:effectRef idx="0">
+              <a:schemeClr val="dk1"/>
+            </a:effectRef>
+            <a:fontRef idx="minor">
+              <a:schemeClr val="tx1"/>
+            </a:fontRef>
+          </p:style>
+        </p:cxnSp>
+        <p:sp>
+          <p:nvSpPr>
+            <p:cNvPr id="14" name="Rectangle 13">
+              <a:extLst>
+                <a:ext uri="{FF2B5EF4-FFF2-40B4-BE49-F238E27FC236}">
+                  <a16:creationId xmlns:a16="http://schemas.microsoft.com/office/drawing/2014/main" id="{760BD991-8411-4B61-B159-50E9067499C0}"/>
+                </a:ext>
+              </a:extLst>
+            </p:cNvPr>
+            <p:cNvSpPr/>
+            <p:nvPr/>
+          </p:nvSpPr>
+          <p:spPr>
+            <a:xfrm>
+              <a:off x="5903650" y="1727815"/>
+              <a:ext cx="1704513" cy="709107"/>
+            </a:xfrm>
+            <a:prstGeom prst="rect">
+              <a:avLst/>
+            </a:prstGeom>
+          </p:spPr>
+          <p:style>
+            <a:lnRef idx="2">
+              <a:schemeClr val="accent2">
+                <a:shade val="50000"/>
+              </a:schemeClr>
+            </a:lnRef>
+            <a:fillRef idx="1">
+              <a:schemeClr val="accent2"/>
+            </a:fillRef>
+            <a:effectRef idx="0">
+              <a:schemeClr val="accent2"/>
+            </a:effectRef>
+            <a:fontRef idx="minor">
+              <a:schemeClr val="lt1"/>
+            </a:fontRef>
+          </p:style>
+          <p:txBody>
+            <a:bodyPr rtlCol="0" anchor="ctr"/>
+            <a:lstStyle/>
+            <a:p>
+              <a:pPr algn="ctr"/>
+              <a:endParaRPr lang="en-IN" sz="1000"/>
+            </a:p>
+          </p:txBody>
+        </p:sp>
+        <p:sp>
+          <p:nvSpPr>
+            <p:cNvPr id="15" name="Rectangle 14">
+              <a:extLst>
+                <a:ext uri="{FF2B5EF4-FFF2-40B4-BE49-F238E27FC236}">
+                  <a16:creationId xmlns:a16="http://schemas.microsoft.com/office/drawing/2014/main" id="{B07C1731-EE19-4D13-8F07-E60F3ACA8BA3}"/>
+                </a:ext>
+              </a:extLst>
+            </p:cNvPr>
+            <p:cNvSpPr/>
+            <p:nvPr/>
+          </p:nvSpPr>
+          <p:spPr>
+            <a:xfrm>
+              <a:off x="6149267" y="1744149"/>
+              <a:ext cx="1207363" cy="490491"/>
+            </a:xfrm>
+            <a:prstGeom prst="rect">
+              <a:avLst/>
+            </a:prstGeom>
+          </p:spPr>
+          <p:style>
+            <a:lnRef idx="2">
+              <a:schemeClr val="accent3">
+                <a:shade val="50000"/>
+              </a:schemeClr>
+            </a:lnRef>
+            <a:fillRef idx="1">
+              <a:schemeClr val="accent3"/>
+            </a:fillRef>
+            <a:effectRef idx="0">
+              <a:schemeClr val="accent3"/>
+            </a:effectRef>
+            <a:fontRef idx="minor">
+              <a:schemeClr val="lt1"/>
+            </a:fontRef>
+          </p:style>
+          <p:txBody>
+            <a:bodyPr rtlCol="0" anchor="ctr"/>
+            <a:lstStyle/>
+            <a:p>
+              <a:pPr algn="ctr"/>
+              <a:r>
+                <a:rPr lang="en-IN" sz="1000" dirty="0">
+                  <a:solidFill>
+                    <a:schemeClr val="tx1"/>
+                  </a:solidFill>
+                </a:rPr>
+                <a:t>Virtual NIC</a:t>
+              </a:r>
+            </a:p>
+          </p:txBody>
+        </p:sp>
+        <p:sp>
+          <p:nvSpPr>
+            <p:cNvPr id="16" name="Rectangle 15">
+              <a:extLst>
+                <a:ext uri="{FF2B5EF4-FFF2-40B4-BE49-F238E27FC236}">
+                  <a16:creationId xmlns:a16="http://schemas.microsoft.com/office/drawing/2014/main" id="{B502F38B-BA10-4A0E-A16C-4D23F6EB8311}"/>
+                </a:ext>
+              </a:extLst>
+            </p:cNvPr>
+            <p:cNvSpPr/>
+            <p:nvPr/>
+          </p:nvSpPr>
+          <p:spPr>
+            <a:xfrm>
+              <a:off x="6383045" y="976544"/>
+              <a:ext cx="683580" cy="767605"/>
+            </a:xfrm>
+            <a:prstGeom prst="rect">
+              <a:avLst/>
+            </a:prstGeom>
+          </p:spPr>
+          <p:style>
+            <a:lnRef idx="2">
+              <a:schemeClr val="dk1">
+                <a:shade val="50000"/>
+              </a:schemeClr>
+            </a:lnRef>
+            <a:fillRef idx="1">
+              <a:schemeClr val="dk1"/>
+            </a:fillRef>
+            <a:effectRef idx="0">
+              <a:schemeClr val="dk1"/>
+            </a:effectRef>
+            <a:fontRef idx="minor">
+              <a:schemeClr val="lt1"/>
+            </a:fontRef>
+          </p:style>
+          <p:txBody>
+            <a:bodyPr rtlCol="0" anchor="ctr"/>
+            <a:lstStyle/>
+            <a:p>
+              <a:pPr algn="ctr"/>
+              <a:r>
+                <a:rPr lang="en-IN" sz="1000" dirty="0"/>
+                <a:t>VM</a:t>
+              </a:r>
+            </a:p>
+          </p:txBody>
+        </p:sp>
+        <p:sp>
+          <p:nvSpPr>
+            <p:cNvPr id="17" name="TextBox 16">
+              <a:extLst>
+                <a:ext uri="{FF2B5EF4-FFF2-40B4-BE49-F238E27FC236}">
+                  <a16:creationId xmlns:a16="http://schemas.microsoft.com/office/drawing/2014/main" id="{45B60487-E735-4B33-AF6E-50D9A070C42F}"/>
+                </a:ext>
+              </a:extLst>
+            </p:cNvPr>
+            <p:cNvSpPr txBox="1"/>
+            <p:nvPr/>
+          </p:nvSpPr>
+          <p:spPr>
+            <a:xfrm>
+              <a:off x="5989468" y="2168731"/>
+              <a:ext cx="1526959" cy="246221"/>
+            </a:xfrm>
+            <a:prstGeom prst="rect">
+              <a:avLst/>
+            </a:prstGeom>
+            <a:noFill/>
+          </p:spPr>
+          <p:txBody>
+            <a:bodyPr wrap="square" rtlCol="0">
+              <a:spAutoFit/>
+            </a:bodyPr>
+            <a:lstStyle/>
+            <a:p>
+              <a:pPr algn="ctr"/>
+              <a:r>
+                <a:rPr lang="en-IN" sz="1000" dirty="0"/>
+                <a:t>VMM</a:t>
+              </a:r>
+            </a:p>
+          </p:txBody>
+        </p:sp>
+        <p:cxnSp>
+          <p:nvCxnSpPr>
+            <p:cNvPr id="19" name="Straight Connector 18">
+              <a:extLst>
+                <a:ext uri="{FF2B5EF4-FFF2-40B4-BE49-F238E27FC236}">
+                  <a16:creationId xmlns:a16="http://schemas.microsoft.com/office/drawing/2014/main" id="{F570BCA3-F773-429A-A1D3-FDDB898CD5A0}"/>
+                </a:ext>
+              </a:extLst>
+            </p:cNvPr>
+            <p:cNvCxnSpPr>
+              <a:cxnSpLocks/>
+              <a:stCxn id="15" idx="1"/>
+            </p:cNvCxnSpPr>
+            <p:nvPr/>
+          </p:nvCxnSpPr>
+          <p:spPr>
+            <a:xfrm>
+              <a:off x="6149267" y="1989395"/>
+              <a:ext cx="0" cy="774889"/>
+            </a:xfrm>
+            <a:prstGeom prst="line">
+              <a:avLst/>
+            </a:prstGeom>
+            <a:ln w="28575"/>
+          </p:spPr>
+          <p:style>
+            <a:lnRef idx="1">
+              <a:schemeClr val="dk1"/>
+            </a:lnRef>
+            <a:fillRef idx="0">
+              <a:schemeClr val="dk1"/>
+            </a:fillRef>
+            <a:effectRef idx="0">
+              <a:schemeClr val="dk1"/>
+            </a:effectRef>
+            <a:fontRef idx="minor">
+              <a:schemeClr val="tx1"/>
+            </a:fontRef>
+          </p:style>
+        </p:cxnSp>
+        <p:cxnSp>
+          <p:nvCxnSpPr>
+            <p:cNvPr id="23" name="Straight Connector 22">
+              <a:extLst>
+                <a:ext uri="{FF2B5EF4-FFF2-40B4-BE49-F238E27FC236}">
+                  <a16:creationId xmlns:a16="http://schemas.microsoft.com/office/drawing/2014/main" id="{7F480C3F-7CAC-44D0-A9E7-D3FFE556202E}"/>
+                </a:ext>
+              </a:extLst>
+            </p:cNvPr>
+            <p:cNvCxnSpPr>
+              <a:cxnSpLocks/>
+              <a:stCxn id="10" idx="3"/>
+              <a:endCxn id="9" idx="0"/>
+            </p:cNvCxnSpPr>
+            <p:nvPr/>
+          </p:nvCxnSpPr>
+          <p:spPr>
+            <a:xfrm>
+              <a:off x="7306323" y="3009530"/>
+              <a:ext cx="497149" cy="308499"/>
+            </a:xfrm>
+            <a:prstGeom prst="line">
+              <a:avLst/>
+            </a:prstGeom>
+            <a:ln w="28575"/>
+          </p:spPr>
+          <p:style>
+            <a:lnRef idx="1">
+              <a:schemeClr val="dk1"/>
+            </a:lnRef>
+            <a:fillRef idx="0">
+              <a:schemeClr val="dk1"/>
+            </a:fillRef>
+            <a:effectRef idx="0">
+              <a:schemeClr val="dk1"/>
+            </a:effectRef>
+            <a:fontRef idx="minor">
+              <a:schemeClr val="tx1"/>
+            </a:fontRef>
+          </p:style>
+        </p:cxnSp>
+      </p:grpSp>
+    </p:spTree>
+    <p:extLst>
+      <p:ext uri="{BB962C8B-B14F-4D97-AF65-F5344CB8AC3E}">
+        <p14:creationId xmlns:p14="http://schemas.microsoft.com/office/powerpoint/2010/main" val="3962215301"/>
       </p:ext>
     </p:extLst>
   </p:cSld>
